--- a/03-hardin/skillsForResearch_JSM17_JoHardin.pptx
+++ b/03-hardin/skillsForResearch_JSM17_JoHardin.pptx
@@ -5,20 +5,23 @@
     <p:sldMasterId id="2147483660" r:id="rId1"/>
   </p:sldMasterIdLst>
   <p:notesMasterIdLst>
-    <p:notesMasterId r:id="rId13"/>
+    <p:notesMasterId r:id="rId16"/>
   </p:notesMasterIdLst>
   <p:sldIdLst>
     <p:sldId id="256" r:id="rId2"/>
     <p:sldId id="257" r:id="rId3"/>
-    <p:sldId id="258" r:id="rId4"/>
-    <p:sldId id="260" r:id="rId5"/>
-    <p:sldId id="268" r:id="rId6"/>
-    <p:sldId id="262" r:id="rId7"/>
+    <p:sldId id="260" r:id="rId4"/>
+    <p:sldId id="258" r:id="rId5"/>
+    <p:sldId id="262" r:id="rId6"/>
+    <p:sldId id="271" r:id="rId7"/>
     <p:sldId id="263" r:id="rId8"/>
-    <p:sldId id="264" r:id="rId9"/>
-    <p:sldId id="265" r:id="rId10"/>
-    <p:sldId id="266" r:id="rId11"/>
-    <p:sldId id="267" r:id="rId12"/>
+    <p:sldId id="270" r:id="rId9"/>
+    <p:sldId id="264" r:id="rId10"/>
+    <p:sldId id="273" r:id="rId11"/>
+    <p:sldId id="265" r:id="rId12"/>
+    <p:sldId id="269" r:id="rId13"/>
+    <p:sldId id="266" r:id="rId14"/>
+    <p:sldId id="267" r:id="rId15"/>
   </p:sldIdLst>
   <p:sldSz cx="9144000" cy="6858000" type="screen4x3"/>
   <p:notesSz cx="6858000" cy="9144000"/>
@@ -202,7 +205,7 @@
           <a:p>
             <a:fld id="{51F23AE1-7BC9-1746-961C-E0E2DE455D32}" type="datetimeFigureOut">
               <a:rPr lang="en-US" smtClean="0"/>
-              <a:t>7/10/17</a:t>
+              <a:t>7/26/17</a:t>
             </a:fld>
             <a:endParaRPr lang="en-US"/>
           </a:p>
@@ -514,85 +517,6 @@
           <a:bodyPr/>
           <a:lstStyle/>
           <a:p>
-            <a:pPr marL="0" marR="0" indent="0" algn="l" defTabSz="457200" rtl="0" eaLnBrk="1" fontAlgn="auto" latinLnBrk="0" hangingPunct="1">
-              <a:lnSpc>
-                <a:spcPct val="100000"/>
-              </a:lnSpc>
-              <a:spcBef>
-                <a:spcPts val="0"/>
-              </a:spcBef>
-              <a:spcAft>
-                <a:spcPts val="0"/>
-              </a:spcAft>
-              <a:buClrTx/>
-              <a:buSzTx/>
-              <a:buFontTx/>
-              <a:buNone/>
-              <a:tabLst/>
-              <a:defRPr/>
-            </a:pPr>
-            <a:r>
-              <a:rPr lang="en-US" sz="1200" kern="1200" dirty="0" smtClean="0">
-                <a:solidFill>
-                  <a:schemeClr val="tx1"/>
-                </a:solidFill>
-                <a:effectLst/>
-                <a:latin typeface="+mn-lt"/>
-                <a:ea typeface="+mn-ea"/>
-                <a:cs typeface="+mn-cs"/>
-              </a:rPr>
-              <a:t>One of my recent projects involves creating prediction intervals for a random forest model.  The novelty comes from the derivation of the appropriate standard error.  There are a handful (not many) of papers on the topic, a few very theoretical papers and a few who approach the problem in a different applied way.  My student and I have had to work through </a:t>
-            </a:r>
-            <a:r>
-              <a:rPr lang="en-US" sz="1200" i="1" kern="1200" dirty="0" smtClean="0">
-                <a:solidFill>
-                  <a:schemeClr val="tx1"/>
-                </a:solidFill>
-                <a:effectLst/>
-                <a:latin typeface="+mn-lt"/>
-                <a:ea typeface="+mn-ea"/>
-                <a:cs typeface="+mn-cs"/>
-              </a:rPr>
-              <a:t>how </a:t>
-            </a:r>
-            <a:r>
-              <a:rPr lang="en-US" sz="1200" kern="1200" dirty="0" smtClean="0">
-                <a:solidFill>
-                  <a:schemeClr val="tx1"/>
-                </a:solidFill>
-                <a:effectLst/>
-                <a:latin typeface="+mn-lt"/>
-                <a:ea typeface="+mn-ea"/>
-                <a:cs typeface="+mn-cs"/>
-              </a:rPr>
-              <a:t>our ideas add to the literature and </a:t>
-            </a:r>
-            <a:r>
-              <a:rPr lang="en-US" sz="1200" i="1" kern="1200" dirty="0" smtClean="0">
-                <a:solidFill>
-                  <a:schemeClr val="tx1"/>
-                </a:solidFill>
-                <a:effectLst/>
-                <a:latin typeface="+mn-lt"/>
-                <a:ea typeface="+mn-ea"/>
-                <a:cs typeface="+mn-cs"/>
-              </a:rPr>
-              <a:t>how</a:t>
-            </a:r>
-            <a:r>
-              <a:rPr lang="en-US" sz="1200" kern="1200" dirty="0" smtClean="0">
-                <a:solidFill>
-                  <a:schemeClr val="tx1"/>
-                </a:solidFill>
-                <a:effectLst/>
-                <a:latin typeface="+mn-lt"/>
-                <a:ea typeface="+mn-ea"/>
-                <a:cs typeface="+mn-cs"/>
-              </a:rPr>
-              <a:t> those ides can be synthesized into an argument.  Our conversations circle back repeatedly to “what are we trying to argue and how can we argue that effectively?”</a:t>
-            </a:r>
-          </a:p>
-          <a:p>
             <a:endParaRPr lang="en-US" dirty="0"/>
           </a:p>
         </p:txBody>
@@ -614,7 +538,7 @@
           <a:p>
             <a:fld id="{319DAD61-181C-6A4B-864E-25751DEDD2BB}" type="slidenum">
               <a:rPr lang="en-US" smtClean="0"/>
-              <a:t>6</a:t>
+              <a:t>3</a:t>
             </a:fld>
             <a:endParaRPr lang="en-US"/>
           </a:p>
@@ -623,7 +547,7 @@
     </p:spTree>
     <p:extLst>
       <p:ext uri="{BB962C8B-B14F-4D97-AF65-F5344CB8AC3E}">
-        <p14:creationId xmlns:p14="http://schemas.microsoft.com/office/powerpoint/2010/main" val="1830632137"/>
+        <p14:creationId xmlns:p14="http://schemas.microsoft.com/office/powerpoint/2010/main" val="64780645"/>
       </p:ext>
     </p:extLst>
   </p:cSld>
@@ -753,7 +677,7 @@
           <a:p>
             <a:fld id="{319DAD61-181C-6A4B-864E-25751DEDD2BB}" type="slidenum">
               <a:rPr lang="en-US" smtClean="0"/>
-              <a:t>7</a:t>
+              <a:t>5</a:t>
             </a:fld>
             <a:endParaRPr lang="en-US"/>
           </a:p>
@@ -762,7 +686,7 @@
     </p:spTree>
     <p:extLst>
       <p:ext uri="{BB962C8B-B14F-4D97-AF65-F5344CB8AC3E}">
-        <p14:creationId xmlns:p14="http://schemas.microsoft.com/office/powerpoint/2010/main" val="238360480"/>
+        <p14:creationId xmlns:p14="http://schemas.microsoft.com/office/powerpoint/2010/main" val="1830632137"/>
       </p:ext>
     </p:extLst>
   </p:cSld>
@@ -816,10 +740,23 @@
           <a:bodyPr/>
           <a:lstStyle/>
           <a:p>
-            <a:r>
-              <a:rPr lang="en-US" dirty="0" smtClean="0"/>
-              <a:t>Madison’s blog. </a:t>
-            </a:r>
+            <a:pPr marL="0" marR="0" indent="0" algn="l" defTabSz="457200" rtl="0" eaLnBrk="1" fontAlgn="auto" latinLnBrk="0" hangingPunct="1">
+              <a:lnSpc>
+                <a:spcPct val="100000"/>
+              </a:lnSpc>
+              <a:spcBef>
+                <a:spcPts val="0"/>
+              </a:spcBef>
+              <a:spcAft>
+                <a:spcPts val="0"/>
+              </a:spcAft>
+              <a:buClrTx/>
+              <a:buSzTx/>
+              <a:buFontTx/>
+              <a:buNone/>
+              <a:tabLst/>
+              <a:defRPr/>
+            </a:pPr>
             <a:r>
               <a:rPr lang="en-US" sz="1200" kern="1200" dirty="0" smtClean="0">
                 <a:solidFill>
@@ -830,14 +767,58 @@
                 <a:ea typeface="+mn-ea"/>
                 <a:cs typeface="+mn-cs"/>
               </a:rPr>
-              <a:t>Nick Horton (personal communication) requires his students to reflect via a Google form with a mechanism running in the background to inform him if they didn’t do it!</a:t>
-            </a:r>
-            <a:r>
-              <a:rPr lang="en-US" dirty="0" smtClean="0">
+              <a:t>One of my recent projects involves creating prediction intervals for a random forest model.  The novelty comes from the derivation of the appropriate standard error.  There are a handful (not many) of papers on the topic, a few very theoretical papers and a few who approach the problem in a different applied way.  My student and I have had to work through </a:t>
+            </a:r>
+            <a:r>
+              <a:rPr lang="en-US" sz="1200" i="1" kern="1200" dirty="0" smtClean="0">
+                <a:solidFill>
+                  <a:schemeClr val="tx1"/>
+                </a:solidFill>
                 <a:effectLst/>
+                <a:latin typeface="+mn-lt"/>
+                <a:ea typeface="+mn-ea"/>
+                <a:cs typeface="+mn-cs"/>
               </a:rPr>
-              <a:t> </a:t>
-            </a:r>
+              <a:t>how </a:t>
+            </a:r>
+            <a:r>
+              <a:rPr lang="en-US" sz="1200" kern="1200" dirty="0" smtClean="0">
+                <a:solidFill>
+                  <a:schemeClr val="tx1"/>
+                </a:solidFill>
+                <a:effectLst/>
+                <a:latin typeface="+mn-lt"/>
+                <a:ea typeface="+mn-ea"/>
+                <a:cs typeface="+mn-cs"/>
+              </a:rPr>
+              <a:t>our ideas add to the literature and </a:t>
+            </a:r>
+            <a:r>
+              <a:rPr lang="en-US" sz="1200" i="1" kern="1200" dirty="0" smtClean="0">
+                <a:solidFill>
+                  <a:schemeClr val="tx1"/>
+                </a:solidFill>
+                <a:effectLst/>
+                <a:latin typeface="+mn-lt"/>
+                <a:ea typeface="+mn-ea"/>
+                <a:cs typeface="+mn-cs"/>
+              </a:rPr>
+              <a:t>how</a:t>
+            </a:r>
+            <a:r>
+              <a:rPr lang="en-US" sz="1200" kern="1200" dirty="0" smtClean="0">
+                <a:solidFill>
+                  <a:schemeClr val="tx1"/>
+                </a:solidFill>
+                <a:effectLst/>
+                <a:latin typeface="+mn-lt"/>
+                <a:ea typeface="+mn-ea"/>
+                <a:cs typeface="+mn-cs"/>
+              </a:rPr>
+              <a:t> those ides can be synthesized into an argument.  Our conversations circle back repeatedly to “what are we trying to argue and how can we argue that effectively?”</a:t>
+            </a:r>
+          </a:p>
+          <a:p>
             <a:endParaRPr lang="en-US" dirty="0"/>
           </a:p>
         </p:txBody>
@@ -859,7 +840,7 @@
           <a:p>
             <a:fld id="{319DAD61-181C-6A4B-864E-25751DEDD2BB}" type="slidenum">
               <a:rPr lang="en-US" smtClean="0"/>
-              <a:t>8</a:t>
+              <a:t>7</a:t>
             </a:fld>
             <a:endParaRPr lang="en-US"/>
           </a:p>
@@ -868,7 +849,7 @@
     </p:spTree>
     <p:extLst>
       <p:ext uri="{BB962C8B-B14F-4D97-AF65-F5344CB8AC3E}">
-        <p14:creationId xmlns:p14="http://schemas.microsoft.com/office/powerpoint/2010/main" val="229971640"/>
+        <p14:creationId xmlns:p14="http://schemas.microsoft.com/office/powerpoint/2010/main" val="238360480"/>
       </p:ext>
     </p:extLst>
   </p:cSld>
@@ -922,6 +903,112 @@
           <a:bodyPr/>
           <a:lstStyle/>
           <a:p>
+            <a:r>
+              <a:rPr lang="en-US" dirty="0" smtClean="0"/>
+              <a:t>Madison’s blog. </a:t>
+            </a:r>
+            <a:r>
+              <a:rPr lang="en-US" sz="1200" kern="1200" dirty="0" smtClean="0">
+                <a:solidFill>
+                  <a:schemeClr val="tx1"/>
+                </a:solidFill>
+                <a:effectLst/>
+                <a:latin typeface="+mn-lt"/>
+                <a:ea typeface="+mn-ea"/>
+                <a:cs typeface="+mn-cs"/>
+              </a:rPr>
+              <a:t>Nick Horton (personal communication) requires his students to reflect via a Google form with a mechanism running in the background to inform him if they didn’t do it!</a:t>
+            </a:r>
+            <a:r>
+              <a:rPr lang="en-US" dirty="0" smtClean="0">
+                <a:effectLst/>
+              </a:rPr>
+              <a:t> </a:t>
+            </a:r>
+            <a:endParaRPr lang="en-US" dirty="0"/>
+          </a:p>
+        </p:txBody>
+      </p:sp>
+      <p:sp>
+        <p:nvSpPr>
+          <p:cNvPr id="4" name="Slide Number Placeholder 3"/>
+          <p:cNvSpPr>
+            <a:spLocks noGrp="1"/>
+          </p:cNvSpPr>
+          <p:nvPr>
+            <p:ph type="sldNum" sz="quarter" idx="10"/>
+          </p:nvPr>
+        </p:nvSpPr>
+        <p:spPr/>
+        <p:txBody>
+          <a:bodyPr/>
+          <a:lstStyle/>
+          <a:p>
+            <a:fld id="{319DAD61-181C-6A4B-864E-25751DEDD2BB}" type="slidenum">
+              <a:rPr lang="en-US" smtClean="0"/>
+              <a:t>9</a:t>
+            </a:fld>
+            <a:endParaRPr lang="en-US"/>
+          </a:p>
+        </p:txBody>
+      </p:sp>
+    </p:spTree>
+    <p:extLst>
+      <p:ext uri="{BB962C8B-B14F-4D97-AF65-F5344CB8AC3E}">
+        <p14:creationId xmlns:p14="http://schemas.microsoft.com/office/powerpoint/2010/main" val="229971640"/>
+      </p:ext>
+    </p:extLst>
+  </p:cSld>
+  <p:clrMapOvr>
+    <a:masterClrMapping/>
+  </p:clrMapOvr>
+</p:notes>
+</file>
+
+<file path=ppt/notesSlides/notesSlide5.xml><?xml version="1.0" encoding="utf-8"?>
+<p:notes xmlns:a="http://schemas.openxmlformats.org/drawingml/2006/main" xmlns:r="http://schemas.openxmlformats.org/officeDocument/2006/relationships" xmlns:p="http://schemas.openxmlformats.org/presentationml/2006/main">
+  <p:cSld>
+    <p:spTree>
+      <p:nvGrpSpPr>
+        <p:cNvPr id="1" name=""/>
+        <p:cNvGrpSpPr/>
+        <p:nvPr/>
+      </p:nvGrpSpPr>
+      <p:grpSpPr>
+        <a:xfrm>
+          <a:off x="0" y="0"/>
+          <a:ext cx="0" cy="0"/>
+          <a:chOff x="0" y="0"/>
+          <a:chExt cx="0" cy="0"/>
+        </a:xfrm>
+      </p:grpSpPr>
+      <p:sp>
+        <p:nvSpPr>
+          <p:cNvPr id="2" name="Slide Image Placeholder 1"/>
+          <p:cNvSpPr>
+            <a:spLocks noGrp="1" noRot="1" noChangeAspect="1"/>
+          </p:cNvSpPr>
+          <p:nvPr>
+            <p:ph type="sldImg"/>
+          </p:nvPr>
+        </p:nvSpPr>
+        <p:spPr/>
+      </p:sp>
+      <p:sp>
+        <p:nvSpPr>
+          <p:cNvPr id="3" name="Notes Placeholder 2"/>
+          <p:cNvSpPr>
+            <a:spLocks noGrp="1"/>
+          </p:cNvSpPr>
+          <p:nvPr>
+            <p:ph type="body" idx="1"/>
+          </p:nvPr>
+        </p:nvSpPr>
+        <p:spPr/>
+        <p:txBody>
+          <a:bodyPr/>
+          <a:lstStyle/>
+          <a:p>
             <a:pPr marL="0" marR="0" indent="0" algn="l" defTabSz="457200" rtl="0" eaLnBrk="1" fontAlgn="auto" latinLnBrk="0" hangingPunct="1">
               <a:lnSpc>
                 <a:spcPct val="100000"/>
@@ -998,7 +1085,7 @@
           <a:p>
             <a:fld id="{319DAD61-181C-6A4B-864E-25751DEDD2BB}" type="slidenum">
               <a:rPr lang="en-US" smtClean="0"/>
-              <a:t>9</a:t>
+              <a:t>11</a:t>
             </a:fld>
             <a:endParaRPr lang="en-US"/>
           </a:p>
@@ -1306,7 +1393,7 @@
           <a:p>
             <a:fld id="{A2F0292D-1797-49A5-8D2D-8D50C72EF3CC}" type="datetimeFigureOut">
               <a:rPr lang="en-US" smtClean="0"/>
-              <a:t>7/10/17</a:t>
+              <a:t>7/26/17</a:t>
             </a:fld>
             <a:endParaRPr lang="en-US"/>
           </a:p>
@@ -1785,7 +1872,7 @@
           <a:p>
             <a:fld id="{A2F0292D-1797-49A5-8D2D-8D50C72EF3CC}" type="datetimeFigureOut">
               <a:rPr lang="en-US" smtClean="0"/>
-              <a:t>7/10/17</a:t>
+              <a:t>7/26/17</a:t>
             </a:fld>
             <a:endParaRPr lang="en-US"/>
           </a:p>
@@ -2014,7 +2101,7 @@
           <a:p>
             <a:fld id="{A2F0292D-1797-49A5-8D2D-8D50C72EF3CC}" type="datetimeFigureOut">
               <a:rPr lang="en-US" smtClean="0"/>
-              <a:t>7/10/17</a:t>
+              <a:t>7/26/17</a:t>
             </a:fld>
             <a:endParaRPr lang="en-US"/>
           </a:p>
@@ -2244,7 +2331,7 @@
           <a:p>
             <a:fld id="{A2F0292D-1797-49A5-8D2D-8D50C72EF3CC}" type="datetimeFigureOut">
               <a:rPr lang="en-US" smtClean="0"/>
-              <a:t>7/10/17</a:t>
+              <a:t>7/26/17</a:t>
             </a:fld>
             <a:endParaRPr lang="en-US"/>
           </a:p>
@@ -2576,7 +2663,7 @@
           <a:p>
             <a:fld id="{A2F0292D-1797-49A5-8D2D-8D50C72EF3CC}" type="datetimeFigureOut">
               <a:rPr lang="en-US" smtClean="0"/>
-              <a:t>7/10/17</a:t>
+              <a:t>7/26/17</a:t>
             </a:fld>
             <a:endParaRPr lang="en-US"/>
           </a:p>
@@ -2934,7 +3021,7 @@
           <a:p>
             <a:fld id="{A2F0292D-1797-49A5-8D2D-8D50C72EF3CC}" type="datetimeFigureOut">
               <a:rPr lang="en-US" smtClean="0"/>
-              <a:t>7/10/17</a:t>
+              <a:t>7/26/17</a:t>
             </a:fld>
             <a:endParaRPr lang="en-US"/>
           </a:p>
@@ -3410,7 +3497,7 @@
           <a:p>
             <a:fld id="{A2F0292D-1797-49A5-8D2D-8D50C72EF3CC}" type="datetimeFigureOut">
               <a:rPr lang="en-US" smtClean="0"/>
-              <a:t>7/10/17</a:t>
+              <a:t>7/26/17</a:t>
             </a:fld>
             <a:endParaRPr lang="en-US"/>
           </a:p>
@@ -4091,7 +4178,7 @@
           <a:p>
             <a:fld id="{A2F0292D-1797-49A5-8D2D-8D50C72EF3CC}" type="datetimeFigureOut">
               <a:rPr lang="en-US" smtClean="0"/>
-              <a:t>7/10/17</a:t>
+              <a:t>7/26/17</a:t>
             </a:fld>
             <a:endParaRPr lang="en-US"/>
           </a:p>
@@ -4270,7 +4357,7 @@
           <a:p>
             <a:fld id="{A2F0292D-1797-49A5-8D2D-8D50C72EF3CC}" type="datetimeFigureOut">
               <a:rPr lang="en-US" smtClean="0"/>
-              <a:t>7/10/17</a:t>
+              <a:t>7/26/17</a:t>
             </a:fld>
             <a:endParaRPr lang="en-US"/>
           </a:p>
@@ -4441,7 +4528,7 @@
           <a:p>
             <a:fld id="{A2F0292D-1797-49A5-8D2D-8D50C72EF3CC}" type="datetimeFigureOut">
               <a:rPr lang="en-US" smtClean="0"/>
-              <a:t>7/10/17</a:t>
+              <a:t>7/26/17</a:t>
             </a:fld>
             <a:endParaRPr lang="en-US"/>
           </a:p>
@@ -4531,7 +4618,7 @@
           <a:p>
             <a:fld id="{A2F0292D-1797-49A5-8D2D-8D50C72EF3CC}" type="datetimeFigureOut">
               <a:rPr lang="en-US" smtClean="0"/>
-              <a:t>7/10/17</a:t>
+              <a:t>7/26/17</a:t>
             </a:fld>
             <a:endParaRPr lang="en-US"/>
           </a:p>
@@ -5553,7 +5640,7 @@
           <a:p>
             <a:fld id="{A2F0292D-1797-49A5-8D2D-8D50C72EF3CC}" type="datetimeFigureOut">
               <a:rPr lang="en-US" smtClean="0"/>
-              <a:t>7/10/17</a:t>
+              <a:t>7/26/17</a:t>
             </a:fld>
             <a:endParaRPr lang="en-US"/>
           </a:p>
@@ -6128,7 +6215,7 @@
           <a:p>
             <a:fld id="{A2F0292D-1797-49A5-8D2D-8D50C72EF3CC}" type="datetimeFigureOut">
               <a:rPr lang="en-US" smtClean="0"/>
-              <a:t>7/10/17</a:t>
+              <a:t>7/26/17</a:t>
             </a:fld>
             <a:endParaRPr lang="en-US"/>
           </a:p>
@@ -6636,7 +6723,7 @@
           <a:p>
             <a:fld id="{A2F0292D-1797-49A5-8D2D-8D50C72EF3CC}" type="datetimeFigureOut">
               <a:rPr lang="en-US" smtClean="0"/>
-              <a:t>7/10/17</a:t>
+              <a:t>7/26/17</a:t>
             </a:fld>
             <a:endParaRPr lang="en-US"/>
           </a:p>
@@ -7056,7 +7143,7 @@
           <a:p>
             <a:fld id="{A2F0292D-1797-49A5-8D2D-8D50C72EF3CC}" type="datetimeFigureOut">
               <a:rPr lang="en-US" smtClean="0"/>
-              <a:t>7/10/17</a:t>
+              <a:t>7/26/17</a:t>
             </a:fld>
             <a:endParaRPr lang="en-US"/>
           </a:p>
@@ -7420,7 +7507,7 @@
           <a:p>
             <a:fld id="{A2F0292D-1797-49A5-8D2D-8D50C72EF3CC}" type="datetimeFigureOut">
               <a:rPr lang="en-US" smtClean="0"/>
-              <a:t>7/10/17</a:t>
+              <a:t>7/26/17</a:t>
             </a:fld>
             <a:endParaRPr lang="en-US"/>
           </a:p>
@@ -7966,7 +8053,7 @@
           <a:p>
             <a:fld id="{A2F0292D-1797-49A5-8D2D-8D50C72EF3CC}" type="datetimeFigureOut">
               <a:rPr lang="en-US" smtClean="0"/>
-              <a:t>7/10/17</a:t>
+              <a:t>7/26/17</a:t>
             </a:fld>
             <a:endParaRPr lang="en-US"/>
           </a:p>
@@ -8079,7 +8166,7 @@
           <a:p>
             <a:fld id="{A2F0292D-1797-49A5-8D2D-8D50C72EF3CC}" type="datetimeFigureOut">
               <a:rPr lang="en-US" smtClean="0"/>
-              <a:t>7/10/17</a:t>
+              <a:t>7/26/17</a:t>
             </a:fld>
             <a:endParaRPr lang="en-US"/>
           </a:p>
@@ -9053,6 +9140,78 @@
           <a:chExt cx="0" cy="0"/>
         </a:xfrm>
       </p:grpSpPr>
+      <p:pic>
+        <p:nvPicPr>
+          <p:cNvPr id="8" name="Content Placeholder 4"/>
+          <p:cNvPicPr>
+            <a:picLocks noGrp="1" noChangeAspect="1"/>
+          </p:cNvPicPr>
+          <p:nvPr>
+            <p:ph type="pic" sz="quarter" idx="16"/>
+          </p:nvPr>
+        </p:nvPicPr>
+        <p:blipFill>
+          <a:blip r:embed="rId2"/>
+          <a:srcRect t="-18216" b="-18216"/>
+          <a:stretch>
+            <a:fillRect/>
+          </a:stretch>
+        </p:blipFill>
+        <p:spPr>
+          <a:xfrm flipH="1">
+            <a:off x="160964" y="-250861"/>
+            <a:ext cx="4162757" cy="3593499"/>
+          </a:xfrm>
+        </p:spPr>
+      </p:pic>
+      <p:pic>
+        <p:nvPicPr>
+          <p:cNvPr id="10" name="Picture Placeholder 9"/>
+          <p:cNvPicPr>
+            <a:picLocks noGrp="1" noChangeAspect="1"/>
+          </p:cNvPicPr>
+          <p:nvPr>
+            <p:ph type="pic" sz="quarter" idx="14"/>
+          </p:nvPr>
+        </p:nvPicPr>
+        <p:blipFill>
+          <a:blip r:embed="rId3"/>
+          <a:srcRect t="-42305" b="-42305"/>
+          <a:stretch>
+            <a:fillRect/>
+          </a:stretch>
+        </p:blipFill>
+        <p:spPr>
+          <a:xfrm flipH="1" flipV="1">
+            <a:off x="160964" y="3342638"/>
+            <a:ext cx="4892387" cy="4223353"/>
+          </a:xfrm>
+        </p:spPr>
+      </p:pic>
+      <p:pic>
+        <p:nvPicPr>
+          <p:cNvPr id="9" name="Picture Placeholder 8"/>
+          <p:cNvPicPr>
+            <a:picLocks noGrp="1" noChangeAspect="1"/>
+          </p:cNvPicPr>
+          <p:nvPr>
+            <p:ph type="pic" sz="quarter" idx="17"/>
+          </p:nvPr>
+        </p:nvPicPr>
+        <p:blipFill>
+          <a:blip r:embed="rId4"/>
+          <a:srcRect t="-30916" b="-30916"/>
+          <a:stretch>
+            <a:fillRect/>
+          </a:stretch>
+        </p:blipFill>
+        <p:spPr>
+          <a:xfrm>
+            <a:off x="4634490" y="-231676"/>
+            <a:ext cx="4296699" cy="3709125"/>
+          </a:xfrm>
+        </p:spPr>
+      </p:pic>
       <p:sp>
         <p:nvSpPr>
           <p:cNvPr id="2" name="Title 1"/>
@@ -9063,12 +9222,661 @@
             <p:ph type="title"/>
           </p:nvPr>
         </p:nvSpPr>
-        <p:spPr/>
+        <p:spPr>
+          <a:xfrm>
+            <a:off x="1885800" y="3138692"/>
+            <a:ext cx="2748690" cy="681892"/>
+          </a:xfrm>
+        </p:spPr>
         <p:txBody>
           <a:bodyPr/>
           <a:lstStyle/>
           <a:p>
             <a:r>
+              <a:rPr lang="en-US" sz="2800" dirty="0" smtClean="0"/>
+              <a:t>Working Independently</a:t>
+            </a:r>
+            <a:endParaRPr lang="en-US" sz="2800" dirty="0"/>
+          </a:p>
+        </p:txBody>
+      </p:sp>
+      <p:sp>
+        <p:nvSpPr>
+          <p:cNvPr id="3" name="Text Placeholder 2"/>
+          <p:cNvSpPr>
+            <a:spLocks noGrp="1"/>
+          </p:cNvSpPr>
+          <p:nvPr>
+            <p:ph type="body" sz="half" idx="2"/>
+          </p:nvPr>
+        </p:nvSpPr>
+        <p:spPr>
+          <a:xfrm>
+            <a:off x="5227925" y="2965560"/>
+            <a:ext cx="3837306" cy="1263061"/>
+          </a:xfrm>
+        </p:spPr>
+        <p:txBody>
+          <a:bodyPr>
+            <a:noAutofit/>
+          </a:bodyPr>
+          <a:lstStyle/>
+          <a:p>
+            <a:pPr marL="171450" indent="-171450">
+              <a:buFontTx/>
+              <a:buChar char="•"/>
+            </a:pPr>
+            <a:r>
+              <a:rPr lang="en-US" sz="2000" dirty="0" smtClean="0"/>
+              <a:t>Madison’s daily blog</a:t>
+            </a:r>
+          </a:p>
+          <a:p>
+            <a:pPr marL="171450" indent="-171450">
+              <a:buFontTx/>
+              <a:buChar char="•"/>
+            </a:pPr>
+            <a:r>
+              <a:rPr lang="en-US" sz="2000" dirty="0" smtClean="0"/>
+              <a:t>Use Google Doc to reflect (automatic updates back to you!)</a:t>
+            </a:r>
+            <a:endParaRPr lang="en-US" sz="2000" dirty="0"/>
+          </a:p>
+        </p:txBody>
+      </p:sp>
+      <p:pic>
+        <p:nvPicPr>
+          <p:cNvPr id="11" name="Picture Placeholder 10"/>
+          <p:cNvPicPr>
+            <a:picLocks noGrp="1" noChangeAspect="1"/>
+          </p:cNvPicPr>
+          <p:nvPr>
+            <p:ph type="pic" sz="quarter" idx="15"/>
+          </p:nvPr>
+        </p:nvPicPr>
+        <p:blipFill>
+          <a:blip r:embed="rId5"/>
+          <a:srcRect t="-77090" b="-77090"/>
+          <a:stretch>
+            <a:fillRect/>
+          </a:stretch>
+        </p:blipFill>
+        <p:spPr>
+          <a:xfrm flipV="1">
+            <a:off x="5227925" y="3477449"/>
+            <a:ext cx="3916075" cy="3380551"/>
+          </a:xfrm>
+        </p:spPr>
+      </p:pic>
+    </p:spTree>
+    <p:extLst>
+      <p:ext uri="{BB962C8B-B14F-4D97-AF65-F5344CB8AC3E}">
+        <p14:creationId xmlns:p14="http://schemas.microsoft.com/office/powerpoint/2010/main" val="1158384810"/>
+      </p:ext>
+    </p:extLst>
+  </p:cSld>
+  <p:clrMapOvr>
+    <a:masterClrMapping/>
+  </p:clrMapOvr>
+</p:sld>
+</file>
+
+<file path=ppt/slides/slide11.xml><?xml version="1.0" encoding="utf-8"?>
+<p:sld xmlns:a="http://schemas.openxmlformats.org/drawingml/2006/main" xmlns:r="http://schemas.openxmlformats.org/officeDocument/2006/relationships" xmlns:p="http://schemas.openxmlformats.org/presentationml/2006/main">
+  <p:cSld>
+    <p:spTree>
+      <p:nvGrpSpPr>
+        <p:cNvPr id="1" name=""/>
+        <p:cNvGrpSpPr/>
+        <p:nvPr/>
+      </p:nvGrpSpPr>
+      <p:grpSpPr>
+        <a:xfrm>
+          <a:off x="0" y="0"/>
+          <a:ext cx="0" cy="0"/>
+          <a:chOff x="0" y="0"/>
+          <a:chExt cx="0" cy="0"/>
+        </a:xfrm>
+      </p:grpSpPr>
+      <p:sp>
+        <p:nvSpPr>
+          <p:cNvPr id="2" name="Title 1"/>
+          <p:cNvSpPr>
+            <a:spLocks noGrp="1"/>
+          </p:cNvSpPr>
+          <p:nvPr>
+            <p:ph type="title"/>
+          </p:nvPr>
+        </p:nvSpPr>
+        <p:spPr/>
+        <p:txBody>
+          <a:bodyPr/>
+          <a:lstStyle/>
+          <a:p>
+            <a:r>
+              <a:rPr lang="en-US" dirty="0" smtClean="0"/>
+              <a:t>Wrangle Data</a:t>
+            </a:r>
+            <a:endParaRPr lang="en-US" dirty="0"/>
+          </a:p>
+        </p:txBody>
+      </p:sp>
+      <p:sp>
+        <p:nvSpPr>
+          <p:cNvPr id="3" name="Text Placeholder 2"/>
+          <p:cNvSpPr>
+            <a:spLocks noGrp="1"/>
+          </p:cNvSpPr>
+          <p:nvPr>
+            <p:ph type="body" idx="1"/>
+          </p:nvPr>
+        </p:nvSpPr>
+        <p:spPr/>
+        <p:txBody>
+          <a:bodyPr>
+            <a:normAutofit fontScale="70000" lnSpcReduction="20000"/>
+          </a:bodyPr>
+          <a:lstStyle/>
+          <a:p>
+            <a:endParaRPr lang="en-US"/>
+          </a:p>
+        </p:txBody>
+      </p:sp>
+      <p:sp>
+        <p:nvSpPr>
+          <p:cNvPr id="4" name="Content Placeholder 3"/>
+          <p:cNvSpPr>
+            <a:spLocks noGrp="1"/>
+          </p:cNvSpPr>
+          <p:nvPr>
+            <p:ph sz="half" idx="2"/>
+          </p:nvPr>
+        </p:nvSpPr>
+        <p:spPr/>
+        <p:txBody>
+          <a:bodyPr/>
+          <a:lstStyle/>
+          <a:p>
+            <a:r>
+              <a:rPr lang="en-US" dirty="0" smtClean="0"/>
+              <a:t>Data Science</a:t>
+            </a:r>
+          </a:p>
+          <a:p>
+            <a:r>
+              <a:rPr lang="en-US" dirty="0" smtClean="0"/>
+              <a:t>Statistics</a:t>
+            </a:r>
+          </a:p>
+          <a:p>
+            <a:r>
+              <a:rPr lang="en-US" dirty="0" smtClean="0"/>
+              <a:t>Theoretical</a:t>
+            </a:r>
+            <a:endParaRPr lang="en-US" dirty="0"/>
+          </a:p>
+        </p:txBody>
+      </p:sp>
+      <p:sp>
+        <p:nvSpPr>
+          <p:cNvPr id="5" name="Text Placeholder 4"/>
+          <p:cNvSpPr>
+            <a:spLocks noGrp="1"/>
+          </p:cNvSpPr>
+          <p:nvPr>
+            <p:ph type="body" sz="quarter" idx="3"/>
+          </p:nvPr>
+        </p:nvSpPr>
+        <p:spPr/>
+        <p:txBody>
+          <a:bodyPr>
+            <a:normAutofit fontScale="70000" lnSpcReduction="20000"/>
+          </a:bodyPr>
+          <a:lstStyle/>
+          <a:p>
+            <a:r>
+              <a:rPr lang="en-US" dirty="0" smtClean="0"/>
+              <a:t>In the Classroom</a:t>
+            </a:r>
+            <a:endParaRPr lang="en-US" dirty="0"/>
+          </a:p>
+        </p:txBody>
+      </p:sp>
+      <p:sp>
+        <p:nvSpPr>
+          <p:cNvPr id="6" name="Content Placeholder 5"/>
+          <p:cNvSpPr>
+            <a:spLocks noGrp="1"/>
+          </p:cNvSpPr>
+          <p:nvPr>
+            <p:ph sz="quarter" idx="4"/>
+          </p:nvPr>
+        </p:nvSpPr>
+        <p:spPr/>
+        <p:txBody>
+          <a:bodyPr/>
+          <a:lstStyle/>
+          <a:p>
+            <a:r>
+              <a:rPr lang="en-US" dirty="0" smtClean="0"/>
+              <a:t>Practice, practice, practice</a:t>
+            </a:r>
+          </a:p>
+          <a:p>
+            <a:r>
+              <a:rPr lang="en-US" dirty="0" smtClean="0"/>
+              <a:t>Learn how to problem solve independently.</a:t>
+            </a:r>
+          </a:p>
+          <a:p>
+            <a:r>
+              <a:rPr lang="en-US" dirty="0" smtClean="0"/>
+              <a:t>Data wrangling should happen in every class at every level.</a:t>
+            </a:r>
+            <a:endParaRPr lang="en-US" dirty="0"/>
+          </a:p>
+        </p:txBody>
+      </p:sp>
+    </p:spTree>
+    <p:extLst>
+      <p:ext uri="{BB962C8B-B14F-4D97-AF65-F5344CB8AC3E}">
+        <p14:creationId xmlns:p14="http://schemas.microsoft.com/office/powerpoint/2010/main" val="1164415233"/>
+      </p:ext>
+    </p:extLst>
+  </p:cSld>
+  <p:clrMapOvr>
+    <a:masterClrMapping/>
+  </p:clrMapOvr>
+</p:sld>
+</file>
+
+<file path=ppt/slides/slide12.xml><?xml version="1.0" encoding="utf-8"?>
+<p:sld xmlns:a="http://schemas.openxmlformats.org/drawingml/2006/main" xmlns:r="http://schemas.openxmlformats.org/officeDocument/2006/relationships" xmlns:p="http://schemas.openxmlformats.org/presentationml/2006/main">
+  <p:cSld>
+    <p:spTree>
+      <p:nvGrpSpPr>
+        <p:cNvPr id="1" name=""/>
+        <p:cNvGrpSpPr/>
+        <p:nvPr/>
+      </p:nvGrpSpPr>
+      <p:grpSpPr>
+        <a:xfrm>
+          <a:off x="0" y="0"/>
+          <a:ext cx="0" cy="0"/>
+          <a:chOff x="0" y="0"/>
+          <a:chExt cx="0" cy="0"/>
+        </a:xfrm>
+      </p:grpSpPr>
+      <p:sp>
+        <p:nvSpPr>
+          <p:cNvPr id="3" name="Title 2"/>
+          <p:cNvSpPr>
+            <a:spLocks noGrp="1"/>
+          </p:cNvSpPr>
+          <p:nvPr>
+            <p:ph type="title"/>
+          </p:nvPr>
+        </p:nvSpPr>
+        <p:spPr>
+          <a:xfrm>
+            <a:off x="6070589" y="188151"/>
+            <a:ext cx="2887501" cy="468777"/>
+          </a:xfrm>
+        </p:spPr>
+        <p:txBody>
+          <a:bodyPr/>
+          <a:lstStyle/>
+          <a:p>
+            <a:r>
+              <a:rPr lang="en-US" sz="2800" dirty="0" smtClean="0"/>
+              <a:t>Data Wrangling</a:t>
+            </a:r>
+            <a:endParaRPr lang="en-US" sz="2800" dirty="0"/>
+          </a:p>
+        </p:txBody>
+      </p:sp>
+      <p:pic>
+        <p:nvPicPr>
+          <p:cNvPr id="6" name="Picture 5" descr="madison.jpg"/>
+          <p:cNvPicPr>
+            <a:picLocks noChangeAspect="1"/>
+          </p:cNvPicPr>
+          <p:nvPr/>
+        </p:nvPicPr>
+        <p:blipFill>
+          <a:blip r:embed="rId2">
+            <a:extLst>
+              <a:ext uri="{28A0092B-C50C-407E-A947-70E740481C1C}">
+                <a14:useLocalDpi xmlns:a14="http://schemas.microsoft.com/office/drawing/2010/main" val="0"/>
+              </a:ext>
+            </a:extLst>
+          </a:blip>
+          <a:stretch>
+            <a:fillRect/>
+          </a:stretch>
+        </p:blipFill>
+        <p:spPr>
+          <a:xfrm>
+            <a:off x="373174" y="213874"/>
+            <a:ext cx="2540000" cy="2540000"/>
+          </a:xfrm>
+          <a:prstGeom prst="rect">
+            <a:avLst/>
+          </a:prstGeom>
+        </p:spPr>
+      </p:pic>
+      <p:pic>
+        <p:nvPicPr>
+          <p:cNvPr id="9" name="Picture Placeholder 8" descr="rpos.png"/>
+          <p:cNvPicPr>
+            <a:picLocks noGrp="1" noChangeAspect="1"/>
+          </p:cNvPicPr>
+          <p:nvPr>
+            <p:ph type="pic" sz="quarter" idx="13"/>
+          </p:nvPr>
+        </p:nvPicPr>
+        <p:blipFill>
+          <a:blip r:embed="rId3">
+            <a:extLst>
+              <a:ext uri="{28A0092B-C50C-407E-A947-70E740481C1C}">
+                <a14:useLocalDpi xmlns:a14="http://schemas.microsoft.com/office/drawing/2010/main" val="0"/>
+              </a:ext>
+            </a:extLst>
+          </a:blip>
+          <a:srcRect l="-6012" r="-6012"/>
+          <a:stretch>
+            <a:fillRect/>
+          </a:stretch>
+        </p:blipFill>
+        <p:spPr>
+          <a:xfrm>
+            <a:off x="4290274" y="3632261"/>
+            <a:ext cx="4667816" cy="3114736"/>
+          </a:xfrm>
+        </p:spPr>
+      </p:pic>
+      <p:sp>
+        <p:nvSpPr>
+          <p:cNvPr id="10" name="Frame 9"/>
+          <p:cNvSpPr/>
+          <p:nvPr/>
+        </p:nvSpPr>
+        <p:spPr>
+          <a:xfrm>
+            <a:off x="4484765" y="6201520"/>
+            <a:ext cx="926698" cy="228838"/>
+          </a:xfrm>
+          <a:prstGeom prst="frame">
+            <a:avLst/>
+          </a:prstGeom>
+        </p:spPr>
+        <p:style>
+          <a:lnRef idx="1">
+            <a:schemeClr val="accent1"/>
+          </a:lnRef>
+          <a:fillRef idx="3">
+            <a:schemeClr val="accent1"/>
+          </a:fillRef>
+          <a:effectRef idx="2">
+            <a:schemeClr val="accent1"/>
+          </a:effectRef>
+          <a:fontRef idx="minor">
+            <a:schemeClr val="lt1"/>
+          </a:fontRef>
+        </p:style>
+        <p:txBody>
+          <a:bodyPr rtlCol="0" anchor="ctr"/>
+          <a:lstStyle/>
+          <a:p>
+            <a:pPr algn="ctr"/>
+            <a:endParaRPr lang="en-US">
+              <a:solidFill>
+                <a:schemeClr val="tx1"/>
+              </a:solidFill>
+            </a:endParaRPr>
+          </a:p>
+        </p:txBody>
+      </p:sp>
+      <p:pic>
+        <p:nvPicPr>
+          <p:cNvPr id="11" name="Picture 10" descr="ciaran-evans-300.jpg"/>
+          <p:cNvPicPr>
+            <a:picLocks noChangeAspect="1"/>
+          </p:cNvPicPr>
+          <p:nvPr/>
+        </p:nvPicPr>
+        <p:blipFill>
+          <a:blip r:embed="rId4">
+            <a:extLst>
+              <a:ext uri="{28A0092B-C50C-407E-A947-70E740481C1C}">
+                <a14:useLocalDpi xmlns:a14="http://schemas.microsoft.com/office/drawing/2010/main" val="0"/>
+              </a:ext>
+            </a:extLst>
+          </a:blip>
+          <a:stretch>
+            <a:fillRect/>
+          </a:stretch>
+        </p:blipFill>
+        <p:spPr>
+          <a:xfrm>
+            <a:off x="178602" y="3951900"/>
+            <a:ext cx="3493871" cy="2795097"/>
+          </a:xfrm>
+          <a:prstGeom prst="rect">
+            <a:avLst/>
+          </a:prstGeom>
+        </p:spPr>
+      </p:pic>
+      <p:pic>
+        <p:nvPicPr>
+          <p:cNvPr id="12" name="Picture 11" descr="rposPlots.jpeg"/>
+          <p:cNvPicPr>
+            <a:picLocks noChangeAspect="1"/>
+          </p:cNvPicPr>
+          <p:nvPr/>
+        </p:nvPicPr>
+        <p:blipFill>
+          <a:blip r:embed="rId5">
+            <a:extLst>
+              <a:ext uri="{28A0092B-C50C-407E-A947-70E740481C1C}">
+                <a14:useLocalDpi xmlns:a14="http://schemas.microsoft.com/office/drawing/2010/main" val="0"/>
+              </a:ext>
+            </a:extLst>
+          </a:blip>
+          <a:stretch>
+            <a:fillRect/>
+          </a:stretch>
+        </p:blipFill>
+        <p:spPr>
+          <a:xfrm>
+            <a:off x="5484900" y="656928"/>
+            <a:ext cx="3214789" cy="2453912"/>
+          </a:xfrm>
+          <a:prstGeom prst="rect">
+            <a:avLst/>
+          </a:prstGeom>
+        </p:spPr>
+      </p:pic>
+      <p:sp>
+        <p:nvSpPr>
+          <p:cNvPr id="4" name="Text Placeholder 3"/>
+          <p:cNvSpPr>
+            <a:spLocks noGrp="1"/>
+          </p:cNvSpPr>
+          <p:nvPr>
+            <p:ph type="body" sz="half" idx="2"/>
+          </p:nvPr>
+        </p:nvSpPr>
+        <p:spPr>
+          <a:xfrm>
+            <a:off x="3152181" y="681205"/>
+            <a:ext cx="5382600" cy="3155627"/>
+          </a:xfrm>
+        </p:spPr>
+        <p:txBody>
+          <a:bodyPr>
+            <a:noAutofit/>
+          </a:bodyPr>
+          <a:lstStyle/>
+          <a:p>
+            <a:pPr marL="171450" indent="-171450">
+              <a:buFontTx/>
+              <a:buChar char="•"/>
+            </a:pPr>
+            <a:r>
+              <a:rPr lang="en-US" sz="2000" dirty="0" err="1"/>
+              <a:t>d</a:t>
+            </a:r>
+            <a:r>
+              <a:rPr lang="en-US" sz="2000" dirty="0" err="1" smtClean="0"/>
+              <a:t>plyr</a:t>
+            </a:r>
+            <a:endParaRPr lang="en-US" sz="2000" dirty="0" smtClean="0"/>
+          </a:p>
+          <a:p>
+            <a:pPr marL="171450" indent="-171450">
+              <a:buFontTx/>
+              <a:buChar char="•"/>
+            </a:pPr>
+            <a:r>
+              <a:rPr lang="en-US" sz="2000" dirty="0" err="1" smtClean="0"/>
+              <a:t>ggplot</a:t>
+            </a:r>
+            <a:endParaRPr lang="en-US" sz="2000" dirty="0" smtClean="0"/>
+          </a:p>
+          <a:p>
+            <a:pPr marL="171450" indent="-171450">
+              <a:buFontTx/>
+              <a:buChar char="•"/>
+            </a:pPr>
+            <a:r>
+              <a:rPr lang="en-US" sz="2000" dirty="0" err="1" smtClean="0"/>
+              <a:t>grep</a:t>
+            </a:r>
+            <a:endParaRPr lang="en-US" sz="2000" dirty="0" smtClean="0"/>
+          </a:p>
+          <a:p>
+            <a:pPr marL="171450" indent="-171450">
+              <a:buFontTx/>
+              <a:buChar char="•"/>
+            </a:pPr>
+            <a:endParaRPr lang="en-US" sz="2000" dirty="0" smtClean="0"/>
+          </a:p>
+          <a:p>
+            <a:pPr marL="171450" indent="-171450">
+              <a:buFontTx/>
+              <a:buChar char="•"/>
+            </a:pPr>
+            <a:endParaRPr lang="en-US" sz="2000" dirty="0" smtClean="0"/>
+          </a:p>
+          <a:p>
+            <a:pPr marL="171450" indent="-171450">
+              <a:buFontTx/>
+              <a:buChar char="•"/>
+            </a:pPr>
+            <a:endParaRPr lang="en-US" sz="2000" dirty="0"/>
+          </a:p>
+          <a:p>
+            <a:pPr marL="171450" indent="-171450">
+              <a:buFontTx/>
+              <a:buChar char="•"/>
+            </a:pPr>
+            <a:endParaRPr lang="en-US" sz="2000" dirty="0" smtClean="0"/>
+          </a:p>
+          <a:p>
+            <a:pPr marL="171450" indent="-171450">
+              <a:buFontTx/>
+              <a:buChar char="•"/>
+            </a:pPr>
+            <a:r>
+              <a:rPr lang="en-US" sz="2000" dirty="0" err="1" smtClean="0"/>
+              <a:t>DataCamp</a:t>
+            </a:r>
+            <a:endParaRPr lang="en-US" sz="2000" dirty="0" smtClean="0"/>
+          </a:p>
+          <a:p>
+            <a:pPr marL="171450" indent="-171450">
+              <a:buFontTx/>
+              <a:buChar char="•"/>
+            </a:pPr>
+            <a:r>
+              <a:rPr lang="en-US" sz="2000" dirty="0" smtClean="0"/>
+              <a:t>Madison found a potentially important </a:t>
+            </a:r>
+            <a:r>
+              <a:rPr lang="en-US" sz="2000" dirty="0" err="1" smtClean="0"/>
+              <a:t>intergenic</a:t>
+            </a:r>
+            <a:r>
+              <a:rPr lang="en-US" sz="2000" dirty="0" smtClean="0"/>
+              <a:t> region</a:t>
+            </a:r>
+          </a:p>
+          <a:p>
+            <a:pPr marL="171450" indent="-171450">
+              <a:buFontTx/>
+              <a:buChar char="•"/>
+            </a:pPr>
+            <a:endParaRPr lang="en-US" sz="2000" dirty="0" smtClean="0"/>
+          </a:p>
+          <a:p>
+            <a:pPr marL="171450" indent="-171450">
+              <a:buFontTx/>
+              <a:buChar char="•"/>
+            </a:pPr>
+            <a:endParaRPr lang="en-US" sz="2000" dirty="0" smtClean="0"/>
+          </a:p>
+          <a:p>
+            <a:endParaRPr lang="en-US" sz="2000" dirty="0"/>
+          </a:p>
+        </p:txBody>
+      </p:sp>
+    </p:spTree>
+    <p:extLst>
+      <p:ext uri="{BB962C8B-B14F-4D97-AF65-F5344CB8AC3E}">
+        <p14:creationId xmlns:p14="http://schemas.microsoft.com/office/powerpoint/2010/main" val="2627737954"/>
+      </p:ext>
+    </p:extLst>
+  </p:cSld>
+  <p:clrMapOvr>
+    <a:masterClrMapping/>
+  </p:clrMapOvr>
+</p:sld>
+</file>
+
+<file path=ppt/slides/slide13.xml><?xml version="1.0" encoding="utf-8"?>
+<p:sld xmlns:a="http://schemas.openxmlformats.org/drawingml/2006/main" xmlns:r="http://schemas.openxmlformats.org/officeDocument/2006/relationships" xmlns:p="http://schemas.openxmlformats.org/presentationml/2006/main">
+  <p:cSld>
+    <p:spTree>
+      <p:nvGrpSpPr>
+        <p:cNvPr id="1" name=""/>
+        <p:cNvGrpSpPr/>
+        <p:nvPr/>
+      </p:nvGrpSpPr>
+      <p:grpSpPr>
+        <a:xfrm>
+          <a:off x="0" y="0"/>
+          <a:ext cx="0" cy="0"/>
+          <a:chOff x="0" y="0"/>
+          <a:chExt cx="0" cy="0"/>
+        </a:xfrm>
+      </p:grpSpPr>
+      <p:sp>
+        <p:nvSpPr>
+          <p:cNvPr id="2" name="Title 1"/>
+          <p:cNvSpPr>
+            <a:spLocks noGrp="1"/>
+          </p:cNvSpPr>
+          <p:nvPr>
+            <p:ph type="title"/>
+          </p:nvPr>
+        </p:nvSpPr>
+        <p:spPr/>
+        <p:txBody>
+          <a:bodyPr/>
+          <a:lstStyle/>
+          <a:p>
+            <a:r>
               <a:rPr lang="en-US" dirty="0" smtClean="0"/>
               <a:t>What else?</a:t>
             </a:r>
@@ -9088,71 +9896,80 @@
         </p:nvSpPr>
         <p:spPr/>
         <p:txBody>
-          <a:bodyPr/>
+          <a:bodyPr>
+            <a:normAutofit/>
+          </a:bodyPr>
           <a:lstStyle/>
           <a:p>
             <a:r>
-              <a:rPr lang="en-US" dirty="0" smtClean="0"/>
-              <a:t>Becoming a part of the larger community (e.g., quo function in </a:t>
-            </a:r>
-            <a:r>
-              <a:rPr lang="en-US" dirty="0" err="1" smtClean="0"/>
+              <a:rPr lang="en-US" sz="2000" dirty="0" smtClean="0"/>
+              <a:t>Become </a:t>
+            </a:r>
+            <a:r>
+              <a:rPr lang="en-US" sz="2000" dirty="0" smtClean="0"/>
+              <a:t>a part of the larger community (e.g., </a:t>
+            </a:r>
+            <a:r>
+              <a:rPr lang="en-US" sz="2000" dirty="0" smtClean="0"/>
+              <a:t>quo() </a:t>
+            </a:r>
+            <a:r>
+              <a:rPr lang="en-US" sz="2000" dirty="0" smtClean="0"/>
+              <a:t>function in </a:t>
+            </a:r>
+            <a:r>
+              <a:rPr lang="en-US" sz="2000" dirty="0" err="1" smtClean="0"/>
               <a:t>dplyr</a:t>
             </a:r>
             <a:r>
-              <a:rPr lang="en-US" dirty="0" smtClean="0"/>
+              <a:rPr lang="en-US" sz="2000" dirty="0" smtClean="0"/>
               <a:t> v 0.7.1, June 22, 2017)</a:t>
             </a:r>
           </a:p>
           <a:p>
             <a:r>
-              <a:rPr lang="en-US" dirty="0" smtClean="0"/>
-              <a:t>Using </a:t>
-            </a:r>
-            <a:r>
-              <a:rPr lang="en-US" dirty="0" err="1" smtClean="0"/>
+              <a:rPr lang="en-US" sz="2000" dirty="0" smtClean="0"/>
+              <a:t>Use </a:t>
+            </a:r>
+            <a:r>
+              <a:rPr lang="en-US" sz="2000" dirty="0" err="1" smtClean="0"/>
               <a:t>Git</a:t>
             </a:r>
             <a:r>
-              <a:rPr lang="en-US" dirty="0" smtClean="0"/>
+              <a:rPr lang="en-US" sz="2000" dirty="0" smtClean="0"/>
               <a:t> &amp; </a:t>
             </a:r>
             <a:r>
-              <a:rPr lang="en-US" dirty="0" err="1" smtClean="0"/>
+              <a:rPr lang="en-US" sz="2000" dirty="0" err="1" smtClean="0"/>
               <a:t>GitHub</a:t>
             </a:r>
             <a:r>
-              <a:rPr lang="en-US" dirty="0" smtClean="0"/>
+              <a:rPr lang="en-US" sz="2000" dirty="0" smtClean="0"/>
               <a:t> (</a:t>
             </a:r>
             <a:r>
-              <a:rPr lang="en-US" dirty="0"/>
+              <a:rPr lang="en-US" sz="2000" dirty="0"/>
               <a:t>http://</a:t>
             </a:r>
             <a:r>
-              <a:rPr lang="en-US" dirty="0" err="1"/>
+              <a:rPr lang="en-US" sz="2000" dirty="0" err="1"/>
               <a:t>happygitwithr.com</a:t>
             </a:r>
             <a:r>
-              <a:rPr lang="en-US" dirty="0"/>
-              <a:t>/</a:t>
-            </a:r>
-            <a:r>
-              <a:rPr lang="en-US" dirty="0"/>
-              <a:t> </a:t>
-            </a:r>
-            <a:r>
-              <a:rPr lang="en-US" dirty="0" smtClean="0"/>
+              <a:rPr lang="en-US" sz="2000" dirty="0"/>
+              <a:t>/ </a:t>
+            </a:r>
+            <a:r>
+              <a:rPr lang="en-US" sz="2000" dirty="0" smtClean="0"/>
               <a:t>)</a:t>
             </a:r>
-            <a:endParaRPr lang="en-US" dirty="0" smtClean="0"/>
-          </a:p>
-          <a:p>
-            <a:r>
-              <a:rPr lang="en-US" dirty="0" smtClean="0"/>
+          </a:p>
+          <a:p>
+            <a:r>
+              <a:rPr lang="en-US" sz="2000" dirty="0" smtClean="0"/>
               <a:t>Bring your love of research to the classroom to generate excitement.</a:t>
             </a:r>
-            <a:endParaRPr lang="en-US" dirty="0"/>
+            <a:endParaRPr lang="en-US" sz="2000" dirty="0"/>
           </a:p>
         </p:txBody>
       </p:sp>
@@ -9169,7 +9986,7 @@
 </p:sld>
 </file>
 
-<file path=ppt/slides/slide11.xml><?xml version="1.0" encoding="utf-8"?>
+<file path=ppt/slides/slide14.xml><?xml version="1.0" encoding="utf-8"?>
 <p:sld xmlns:a="http://schemas.openxmlformats.org/drawingml/2006/main" xmlns:r="http://schemas.openxmlformats.org/officeDocument/2006/relationships" xmlns:p="http://schemas.openxmlformats.org/presentationml/2006/main">
   <p:cSld>
     <p:spTree>
@@ -9464,16 +10281,21 @@
             <p:ph type="title"/>
           </p:nvPr>
         </p:nvSpPr>
-        <p:spPr/>
+        <p:spPr>
+          <a:xfrm>
+            <a:off x="4239697" y="4248034"/>
+            <a:ext cx="4596913" cy="497335"/>
+          </a:xfrm>
+        </p:spPr>
         <p:txBody>
           <a:bodyPr/>
           <a:lstStyle/>
           <a:p>
             <a:r>
-              <a:rPr lang="en-US" dirty="0" smtClean="0"/>
-              <a:t>Curriculum Guidelines</a:t>
-            </a:r>
-            <a:endParaRPr lang="en-US" dirty="0"/>
+              <a:rPr lang="en-US" sz="2800" b="1" dirty="0" smtClean="0"/>
+              <a:t>Undergraduate Research</a:t>
+            </a:r>
+            <a:endParaRPr lang="en-US" sz="2800" b="1" dirty="0"/>
           </a:p>
         </p:txBody>
       </p:sp>
@@ -9487,50 +10309,65 @@
             <p:ph idx="1"/>
           </p:nvPr>
         </p:nvSpPr>
-        <p:spPr/>
+        <p:spPr>
+          <a:xfrm>
+            <a:off x="3985601" y="4956765"/>
+            <a:ext cx="4851009" cy="1706127"/>
+          </a:xfrm>
+        </p:spPr>
         <p:txBody>
           <a:bodyPr/>
           <a:lstStyle/>
           <a:p>
             <a:r>
               <a:rPr lang="en-US" dirty="0" smtClean="0"/>
-              <a:t>Statistics</a:t>
-            </a:r>
+              <a:t>Statistics curriculum guidelines</a:t>
+            </a:r>
+            <a:endParaRPr lang="en-US" dirty="0" smtClean="0"/>
           </a:p>
           <a:p>
             <a:r>
               <a:rPr lang="en-US" dirty="0" smtClean="0"/>
-              <a:t>Data science</a:t>
-            </a:r>
-          </a:p>
-          <a:p>
+              <a:t>Data </a:t>
+            </a:r>
             <a:r>
               <a:rPr lang="en-US" dirty="0" smtClean="0"/>
-              <a:t>GAISE</a:t>
-            </a:r>
-            <a:endParaRPr lang="en-US" dirty="0"/>
-          </a:p>
-        </p:txBody>
-      </p:sp>
-      <p:sp>
-        <p:nvSpPr>
-          <p:cNvPr id="4" name="Text Placeholder 3"/>
-          <p:cNvSpPr>
-            <a:spLocks noGrp="1"/>
-          </p:cNvSpPr>
-          <p:nvPr>
-            <p:ph type="body" sz="half" idx="2"/>
-          </p:nvPr>
-        </p:nvSpPr>
-        <p:spPr/>
-        <p:txBody>
-          <a:bodyPr/>
-          <a:lstStyle/>
-          <a:p>
-            <a:endParaRPr lang="en-US"/>
-          </a:p>
-        </p:txBody>
-      </p:sp>
+              <a:t>science curriculum guidelines</a:t>
+            </a:r>
+            <a:endParaRPr lang="en-US" dirty="0" smtClean="0"/>
+          </a:p>
+          <a:p>
+            <a:r>
+              <a:rPr lang="en-US" dirty="0" smtClean="0"/>
+              <a:t>GAISE recommendations</a:t>
+            </a:r>
+          </a:p>
+        </p:txBody>
+      </p:sp>
+      <p:pic>
+        <p:nvPicPr>
+          <p:cNvPr id="5" name="Picture 4"/>
+          <p:cNvPicPr>
+            <a:picLocks noChangeAspect="1"/>
+          </p:cNvPicPr>
+          <p:nvPr/>
+        </p:nvPicPr>
+        <p:blipFill>
+          <a:blip r:embed="rId2"/>
+          <a:stretch>
+            <a:fillRect/>
+          </a:stretch>
+        </p:blipFill>
+        <p:spPr>
+          <a:xfrm>
+            <a:off x="175650" y="165713"/>
+            <a:ext cx="8986791" cy="3509000"/>
+          </a:xfrm>
+          <a:prstGeom prst="rect">
+            <a:avLst/>
+          </a:prstGeom>
+        </p:spPr>
+      </p:pic>
     </p:spTree>
     <p:extLst>
       <p:ext uri="{BB962C8B-B14F-4D97-AF65-F5344CB8AC3E}">
@@ -9578,7 +10415,11 @@
           <a:p>
             <a:r>
               <a:rPr lang="en-US" dirty="0" smtClean="0"/>
-              <a:t>My background</a:t>
+              <a:t>Needed s</a:t>
+            </a:r>
+            <a:r>
+              <a:rPr lang="en-US" dirty="0" smtClean="0"/>
+              <a:t>kills for successful undergrad research</a:t>
             </a:r>
             <a:endParaRPr lang="en-US" dirty="0"/>
           </a:p>
@@ -9586,131 +10427,51 @@
       </p:sp>
       <p:sp>
         <p:nvSpPr>
-          <p:cNvPr id="3" name="Text Placeholder 2"/>
-          <p:cNvSpPr>
-            <a:spLocks noGrp="1"/>
-          </p:cNvSpPr>
-          <p:nvPr>
-            <p:ph type="body" sz="half" idx="2"/>
+          <p:cNvPr id="3" name="Content Placeholder 2"/>
+          <p:cNvSpPr>
+            <a:spLocks noGrp="1"/>
+          </p:cNvSpPr>
+          <p:nvPr>
+            <p:ph idx="1"/>
           </p:nvPr>
         </p:nvSpPr>
         <p:spPr/>
         <p:txBody>
-          <a:bodyPr/>
+          <a:bodyPr>
+            <a:normAutofit/>
+          </a:bodyPr>
           <a:lstStyle/>
           <a:p>
             <a:r>
-              <a:rPr lang="en-US" dirty="0" smtClean="0"/>
-              <a:t>Journals???</a:t>
-            </a:r>
-            <a:endParaRPr lang="en-US" dirty="0"/>
-          </a:p>
-        </p:txBody>
-      </p:sp>
-      <p:pic>
-        <p:nvPicPr>
-          <p:cNvPr id="10" name="Picture Placeholder 9" descr="IMG_2632.JPG"/>
-          <p:cNvPicPr>
-            <a:picLocks noGrp="1" noChangeAspect="1"/>
-          </p:cNvPicPr>
-          <p:nvPr>
-            <p:ph type="pic" sz="quarter" idx="14"/>
-          </p:nvPr>
-        </p:nvPicPr>
-        <p:blipFill>
-          <a:blip r:embed="rId2" cstate="print">
-            <a:extLst>
-              <a:ext uri="{28A0092B-C50C-407E-A947-70E740481C1C}">
-                <a14:useLocalDpi xmlns:a14="http://schemas.microsoft.com/office/drawing/2010/main" val="0"/>
-              </a:ext>
-            </a:extLst>
-          </a:blip>
-          <a:srcRect l="6550" r="6550"/>
-          <a:stretch>
-            <a:fillRect/>
-          </a:stretch>
-        </p:blipFill>
-        <p:spPr/>
-      </p:pic>
-      <p:pic>
-        <p:nvPicPr>
-          <p:cNvPr id="11" name="Picture Placeholder 10" descr="IMG_1343.jpg"/>
-          <p:cNvPicPr>
-            <a:picLocks noGrp="1" noChangeAspect="1"/>
-          </p:cNvPicPr>
-          <p:nvPr>
-            <p:ph type="pic" sz="quarter" idx="15"/>
-          </p:nvPr>
-        </p:nvPicPr>
-        <p:blipFill>
-          <a:blip r:embed="rId3" cstate="print">
-            <a:extLst>
-              <a:ext uri="{28A0092B-C50C-407E-A947-70E740481C1C}">
-                <a14:useLocalDpi xmlns:a14="http://schemas.microsoft.com/office/drawing/2010/main" val="0"/>
-              </a:ext>
-            </a:extLst>
-          </a:blip>
-          <a:srcRect l="6550" r="6550"/>
-          <a:stretch>
-            <a:fillRect/>
-          </a:stretch>
-        </p:blipFill>
-        <p:spPr/>
-      </p:pic>
-      <p:pic>
-        <p:nvPicPr>
-          <p:cNvPr id="8" name="Picture Placeholder 7" descr="withYennyJohn.jpg"/>
-          <p:cNvPicPr>
-            <a:picLocks noGrp="1" noChangeAspect="1"/>
-          </p:cNvPicPr>
-          <p:nvPr>
-            <p:ph type="pic" sz="quarter" idx="16"/>
-          </p:nvPr>
-        </p:nvPicPr>
-        <p:blipFill>
-          <a:blip r:embed="rId4" cstate="print">
-            <a:extLst>
-              <a:ext uri="{28A0092B-C50C-407E-A947-70E740481C1C}">
-                <a14:useLocalDpi xmlns:a14="http://schemas.microsoft.com/office/drawing/2010/main" val="0"/>
-              </a:ext>
-            </a:extLst>
-          </a:blip>
-          <a:srcRect l="10728" r="10728"/>
-          <a:stretch>
-            <a:fillRect/>
-          </a:stretch>
-        </p:blipFill>
-        <p:spPr/>
-      </p:pic>
-      <p:pic>
-        <p:nvPicPr>
-          <p:cNvPr id="9" name="Picture Placeholder 8" descr="MaricelaCiaran.JPG"/>
-          <p:cNvPicPr>
-            <a:picLocks noGrp="1" noChangeAspect="1"/>
-          </p:cNvPicPr>
-          <p:nvPr>
-            <p:ph type="pic" sz="quarter" idx="17"/>
-          </p:nvPr>
-        </p:nvPicPr>
-        <p:blipFill>
-          <a:blip r:embed="rId5" cstate="print">
-            <a:extLst>
-              <a:ext uri="{28A0092B-C50C-407E-A947-70E740481C1C}">
-                <a14:useLocalDpi xmlns:a14="http://schemas.microsoft.com/office/drawing/2010/main" val="0"/>
-              </a:ext>
-            </a:extLst>
-          </a:blip>
-          <a:srcRect l="6729" r="6729"/>
-          <a:stretch>
-            <a:fillRect/>
-          </a:stretch>
-        </p:blipFill>
-        <p:spPr/>
-      </p:pic>
+              <a:rPr lang="en-US" sz="2400" dirty="0" smtClean="0"/>
+              <a:t>Make an argument</a:t>
+            </a:r>
+          </a:p>
+          <a:p>
+            <a:r>
+              <a:rPr lang="en-US" sz="2400" dirty="0" smtClean="0"/>
+              <a:t>Engage with theory</a:t>
+            </a:r>
+          </a:p>
+          <a:p>
+            <a:r>
+              <a:rPr lang="en-US" sz="2400" dirty="0" smtClean="0"/>
+              <a:t>Work independently</a:t>
+            </a:r>
+          </a:p>
+          <a:p>
+            <a:r>
+              <a:rPr lang="en-US" sz="2400" dirty="0" smtClean="0"/>
+              <a:t>Wrangle data</a:t>
+            </a:r>
+            <a:endParaRPr lang="en-US" sz="2400" dirty="0"/>
+          </a:p>
+        </p:txBody>
+      </p:sp>
     </p:spTree>
     <p:extLst>
       <p:ext uri="{BB962C8B-B14F-4D97-AF65-F5344CB8AC3E}">
-        <p14:creationId xmlns:p14="http://schemas.microsoft.com/office/powerpoint/2010/main" val="3612491499"/>
+        <p14:creationId xmlns:p14="http://schemas.microsoft.com/office/powerpoint/2010/main" val="1502310688"/>
       </p:ext>
     </p:extLst>
   </p:cSld>
@@ -9747,64 +10508,209 @@
             <p:ph type="title"/>
           </p:nvPr>
         </p:nvSpPr>
-        <p:spPr/>
+        <p:spPr>
+          <a:xfrm>
+            <a:off x="6017239" y="135830"/>
+            <a:ext cx="2955097" cy="681892"/>
+          </a:xfrm>
+        </p:spPr>
         <p:txBody>
           <a:bodyPr/>
           <a:lstStyle/>
           <a:p>
-            <a:r>
-              <a:rPr lang="en-US" dirty="0" smtClean="0"/>
-              <a:t>Skills</a:t>
-            </a:r>
-            <a:endParaRPr lang="en-US" dirty="0"/>
-          </a:p>
-        </p:txBody>
-      </p:sp>
-      <p:sp>
-        <p:nvSpPr>
-          <p:cNvPr id="3" name="Content Placeholder 2"/>
-          <p:cNvSpPr>
-            <a:spLocks noGrp="1"/>
-          </p:cNvSpPr>
-          <p:nvPr>
-            <p:ph idx="1"/>
-          </p:nvPr>
-        </p:nvSpPr>
-        <p:spPr/>
-        <p:txBody>
-          <a:bodyPr/>
+            <a:pPr algn="r"/>
+            <a:r>
+              <a:rPr lang="en-US" sz="2800" dirty="0" smtClean="0"/>
+              <a:t>My background</a:t>
+            </a:r>
+            <a:endParaRPr lang="en-US" sz="2800" dirty="0"/>
+          </a:p>
+        </p:txBody>
+      </p:sp>
+      <p:sp>
+        <p:nvSpPr>
+          <p:cNvPr id="3" name="Text Placeholder 2"/>
+          <p:cNvSpPr>
+            <a:spLocks noGrp="1"/>
+          </p:cNvSpPr>
+          <p:nvPr>
+            <p:ph type="body" sz="half" idx="2"/>
+          </p:nvPr>
+        </p:nvSpPr>
+        <p:spPr>
+          <a:xfrm>
+            <a:off x="2299587" y="817723"/>
+            <a:ext cx="6672750" cy="1047310"/>
+          </a:xfrm>
+        </p:spPr>
+        <p:txBody>
+          <a:bodyPr>
+            <a:noAutofit/>
+          </a:bodyPr>
           <a:lstStyle/>
           <a:p>
-            <a:r>
-              <a:rPr lang="en-US" dirty="0" smtClean="0"/>
-              <a:t>Make an argument</a:t>
-            </a:r>
-          </a:p>
-          <a:p>
-            <a:r>
-              <a:rPr lang="en-US" dirty="0" smtClean="0"/>
-              <a:t>Engage with theory</a:t>
-            </a:r>
-          </a:p>
-          <a:p>
-            <a:r>
-              <a:rPr lang="en-US" dirty="0" smtClean="0"/>
-              <a:t>Work independently</a:t>
-            </a:r>
-          </a:p>
-          <a:p>
-            <a:r>
-              <a:rPr lang="en-US" dirty="0" smtClean="0"/>
-              <a:t>Data wrangle</a:t>
-            </a:r>
-            <a:endParaRPr lang="en-US" dirty="0"/>
-          </a:p>
-        </p:txBody>
-      </p:sp>
+            <a:pPr marL="171450" indent="-171450">
+              <a:buFontTx/>
+              <a:buChar char="•"/>
+            </a:pPr>
+            <a:r>
+              <a:rPr lang="en-US" sz="2000" dirty="0" smtClean="0"/>
+              <a:t>Research with ~4 students / summer</a:t>
+            </a:r>
+          </a:p>
+          <a:p>
+            <a:pPr marL="171450" indent="-171450">
+              <a:buFontTx/>
+              <a:buChar char="•"/>
+            </a:pPr>
+            <a:r>
+              <a:rPr lang="en-US" sz="2000" dirty="0" smtClean="0"/>
+              <a:t>Senior thesis projects ~4 students / year</a:t>
+            </a:r>
+          </a:p>
+          <a:p>
+            <a:pPr marL="171450" indent="-171450">
+              <a:buFontTx/>
+              <a:buChar char="•"/>
+            </a:pPr>
+            <a:r>
+              <a:rPr lang="en-US" sz="2000" dirty="0" smtClean="0"/>
+              <a:t>12 peer-reviewed pubs w/undergrads, 1 submitted</a:t>
+            </a:r>
+          </a:p>
+          <a:p>
+            <a:pPr marL="171450" indent="-171450">
+              <a:buFontTx/>
+              <a:buChar char="•"/>
+            </a:pPr>
+            <a:endParaRPr lang="en-US" sz="2000" dirty="0"/>
+          </a:p>
+        </p:txBody>
+      </p:sp>
+      <p:pic>
+        <p:nvPicPr>
+          <p:cNvPr id="10" name="Picture Placeholder 9" descr="IMG_2632.JPG"/>
+          <p:cNvPicPr>
+            <a:picLocks noGrp="1" noChangeAspect="1"/>
+          </p:cNvPicPr>
+          <p:nvPr>
+            <p:ph type="pic" sz="quarter" idx="14"/>
+          </p:nvPr>
+        </p:nvPicPr>
+        <p:blipFill>
+          <a:blip r:embed="rId2" cstate="print">
+            <a:extLst>
+              <a:ext uri="{28A0092B-C50C-407E-A947-70E740481C1C}">
+                <a14:useLocalDpi xmlns:a14="http://schemas.microsoft.com/office/drawing/2010/main" val="0"/>
+              </a:ext>
+            </a:extLst>
+          </a:blip>
+          <a:srcRect l="6550" r="6550"/>
+          <a:stretch>
+            <a:fillRect/>
+          </a:stretch>
+        </p:blipFill>
+        <p:spPr>
+          <a:xfrm flipH="1" flipV="1">
+            <a:off x="3645428" y="4402616"/>
+            <a:ext cx="2642616" cy="2281238"/>
+          </a:xfrm>
+        </p:spPr>
+      </p:pic>
+      <p:pic>
+        <p:nvPicPr>
+          <p:cNvPr id="11" name="Picture Placeholder 10" descr="IMG_1343.jpg"/>
+          <p:cNvPicPr>
+            <a:picLocks noGrp="1" noChangeAspect="1"/>
+          </p:cNvPicPr>
+          <p:nvPr>
+            <p:ph type="pic" sz="quarter" idx="15"/>
+          </p:nvPr>
+        </p:nvPicPr>
+        <p:blipFill>
+          <a:blip r:embed="rId3" cstate="print">
+            <a:extLst>
+              <a:ext uri="{28A0092B-C50C-407E-A947-70E740481C1C}">
+                <a14:useLocalDpi xmlns:a14="http://schemas.microsoft.com/office/drawing/2010/main" val="0"/>
+              </a:ext>
+            </a:extLst>
+          </a:blip>
+          <a:srcRect l="6550" r="6550"/>
+          <a:stretch>
+            <a:fillRect/>
+          </a:stretch>
+        </p:blipFill>
+        <p:spPr>
+          <a:xfrm flipV="1">
+            <a:off x="6329720" y="4402616"/>
+            <a:ext cx="2642616" cy="2281238"/>
+          </a:xfrm>
+        </p:spPr>
+      </p:pic>
+      <p:pic>
+        <p:nvPicPr>
+          <p:cNvPr id="8" name="Picture Placeholder 7" descr="withYennyJohn.jpg"/>
+          <p:cNvPicPr>
+            <a:picLocks noGrp="1" noChangeAspect="1"/>
+          </p:cNvPicPr>
+          <p:nvPr>
+            <p:ph type="pic" sz="quarter" idx="16"/>
+          </p:nvPr>
+        </p:nvPicPr>
+        <p:blipFill>
+          <a:blip r:embed="rId4" cstate="print">
+            <a:extLst>
+              <a:ext uri="{28A0092B-C50C-407E-A947-70E740481C1C}">
+                <a14:useLocalDpi xmlns:a14="http://schemas.microsoft.com/office/drawing/2010/main" val="0"/>
+              </a:ext>
+            </a:extLst>
+          </a:blip>
+          <a:srcRect l="10728" r="10728"/>
+          <a:stretch>
+            <a:fillRect/>
+          </a:stretch>
+        </p:blipFill>
+        <p:spPr>
+          <a:xfrm flipH="1">
+            <a:off x="3645428" y="2039071"/>
+            <a:ext cx="2642616" cy="2281238"/>
+          </a:xfrm>
+        </p:spPr>
+      </p:pic>
+      <p:pic>
+        <p:nvPicPr>
+          <p:cNvPr id="9" name="Picture Placeholder 8" descr="MaricelaCiaran.JPG"/>
+          <p:cNvPicPr>
+            <a:picLocks noGrp="1" noChangeAspect="1"/>
+          </p:cNvPicPr>
+          <p:nvPr>
+            <p:ph type="pic" sz="quarter" idx="17"/>
+          </p:nvPr>
+        </p:nvPicPr>
+        <p:blipFill>
+          <a:blip r:embed="rId5" cstate="print">
+            <a:extLst>
+              <a:ext uri="{28A0092B-C50C-407E-A947-70E740481C1C}">
+                <a14:useLocalDpi xmlns:a14="http://schemas.microsoft.com/office/drawing/2010/main" val="0"/>
+              </a:ext>
+            </a:extLst>
+          </a:blip>
+          <a:srcRect l="6729" r="6729"/>
+          <a:stretch>
+            <a:fillRect/>
+          </a:stretch>
+        </p:blipFill>
+        <p:spPr>
+          <a:xfrm>
+            <a:off x="6329720" y="2039071"/>
+            <a:ext cx="2642616" cy="2281238"/>
+          </a:xfrm>
+        </p:spPr>
+      </p:pic>
     </p:spTree>
     <p:extLst>
       <p:ext uri="{BB962C8B-B14F-4D97-AF65-F5344CB8AC3E}">
-        <p14:creationId xmlns:p14="http://schemas.microsoft.com/office/powerpoint/2010/main" val="1502310688"/>
+        <p14:creationId xmlns:p14="http://schemas.microsoft.com/office/powerpoint/2010/main" val="3612491499"/>
       </p:ext>
     </p:extLst>
   </p:cSld>
@@ -9848,7 +10754,7 @@
           <a:p>
             <a:r>
               <a:rPr lang="en-US" dirty="0" smtClean="0"/>
-              <a:t>To-do</a:t>
+              <a:t>Make an Argument</a:t>
             </a:r>
             <a:endParaRPr lang="en-US" dirty="0"/>
           </a:p>
@@ -9856,12 +10762,33 @@
       </p:sp>
       <p:sp>
         <p:nvSpPr>
-          <p:cNvPr id="3" name="Content Placeholder 2"/>
-          <p:cNvSpPr>
-            <a:spLocks noGrp="1"/>
-          </p:cNvSpPr>
-          <p:nvPr>
-            <p:ph idx="1"/>
+          <p:cNvPr id="3" name="Text Placeholder 2"/>
+          <p:cNvSpPr>
+            <a:spLocks noGrp="1"/>
+          </p:cNvSpPr>
+          <p:nvPr>
+            <p:ph type="body" idx="1"/>
+          </p:nvPr>
+        </p:nvSpPr>
+        <p:spPr/>
+        <p:txBody>
+          <a:bodyPr>
+            <a:normAutofit fontScale="70000" lnSpcReduction="20000"/>
+          </a:bodyPr>
+          <a:lstStyle/>
+          <a:p>
+            <a:endParaRPr lang="en-US"/>
+          </a:p>
+        </p:txBody>
+      </p:sp>
+      <p:sp>
+        <p:nvSpPr>
+          <p:cNvPr id="4" name="Content Placeholder 3"/>
+          <p:cNvSpPr>
+            <a:spLocks noGrp="1"/>
+          </p:cNvSpPr>
+          <p:nvPr>
+            <p:ph sz="half" idx="2"/>
           </p:nvPr>
         </p:nvSpPr>
         <p:spPr/>
@@ -9870,27 +10797,104 @@
           <a:lstStyle/>
           <a:p>
             <a:r>
+              <a:rPr lang="en-US" dirty="0"/>
+              <a:t>Theoretical</a:t>
+            </a:r>
+          </a:p>
+          <a:p>
+            <a:r>
+              <a:rPr lang="en-US" dirty="0"/>
+              <a:t>Simulation</a:t>
+            </a:r>
+          </a:p>
+          <a:p>
+            <a:r>
+              <a:rPr lang="en-US" dirty="0"/>
+              <a:t>Literature</a:t>
+            </a:r>
+          </a:p>
+          <a:p>
+            <a:endParaRPr lang="en-US" dirty="0"/>
+          </a:p>
+        </p:txBody>
+      </p:sp>
+      <p:sp>
+        <p:nvSpPr>
+          <p:cNvPr id="5" name="Text Placeholder 4"/>
+          <p:cNvSpPr>
+            <a:spLocks noGrp="1"/>
+          </p:cNvSpPr>
+          <p:nvPr>
+            <p:ph type="body" sz="quarter" idx="3"/>
+          </p:nvPr>
+        </p:nvSpPr>
+        <p:spPr/>
+        <p:txBody>
+          <a:bodyPr>
+            <a:normAutofit fontScale="70000" lnSpcReduction="20000"/>
+          </a:bodyPr>
+          <a:lstStyle/>
+          <a:p>
+            <a:r>
               <a:rPr lang="en-US" dirty="0" smtClean="0"/>
-              <a:t>I still need to add in examples of my projects as examples for each of the topics I </a:t>
-            </a:r>
-            <a:r>
-              <a:rPr lang="en-US" smtClean="0"/>
-              <a:t>describe below.</a:t>
-            </a:r>
-            <a:endParaRPr lang="en-US"/>
+              <a:t>In the Classroom</a:t>
+            </a:r>
+            <a:endParaRPr lang="en-US" dirty="0"/>
+          </a:p>
+        </p:txBody>
+      </p:sp>
+      <p:sp>
+        <p:nvSpPr>
+          <p:cNvPr id="6" name="Content Placeholder 5"/>
+          <p:cNvSpPr>
+            <a:spLocks noGrp="1"/>
+          </p:cNvSpPr>
+          <p:nvPr>
+            <p:ph sz="quarter" idx="4"/>
+          </p:nvPr>
+        </p:nvSpPr>
+        <p:spPr/>
+        <p:txBody>
+          <a:bodyPr/>
+          <a:lstStyle/>
+          <a:p>
+            <a:r>
+              <a:rPr lang="en-US" dirty="0" smtClean="0"/>
+              <a:t>Hypothesis test using mean and median to demonstrate two different approaches to the same scientific hypothesis</a:t>
+            </a:r>
+          </a:p>
+          <a:p>
+            <a:r>
+              <a:rPr lang="en-US" dirty="0" smtClean="0"/>
+              <a:t>Simulation studies (e.g., bootstrap confidence intervals)</a:t>
+            </a:r>
+          </a:p>
+          <a:p>
+            <a:r>
+              <a:rPr lang="en-US" dirty="0" smtClean="0"/>
+              <a:t>How do we know that?  How can we argue that result is better than the other?</a:t>
+            </a:r>
+            <a:endParaRPr lang="en-US" dirty="0"/>
           </a:p>
         </p:txBody>
       </p:sp>
     </p:spTree>
     <p:extLst>
       <p:ext uri="{BB962C8B-B14F-4D97-AF65-F5344CB8AC3E}">
-        <p14:creationId xmlns:p14="http://schemas.microsoft.com/office/powerpoint/2010/main" val="273607169"/>
+        <p14:creationId xmlns:p14="http://schemas.microsoft.com/office/powerpoint/2010/main" val="3660048347"/>
       </p:ext>
     </p:extLst>
   </p:cSld>
   <p:clrMapOvr>
     <a:masterClrMapping/>
   </p:clrMapOvr>
+  <p:timing>
+    <p:tnLst>
+      <p:par>
+        <p:cTn xmlns:p14="http://schemas.microsoft.com/office/powerpoint/2010/main" id="1" dur="indefinite" restart="never" nodeType="tmRoot"/>
+      </p:par>
+    </p:tnLst>
+  </p:timing>
 </p:sld>
 </file>
 
@@ -9911,9 +10915,39 @@
           <a:chExt cx="0" cy="0"/>
         </a:xfrm>
       </p:grpSpPr>
-      <p:sp>
-        <p:nvSpPr>
-          <p:cNvPr id="2" name="Title 1"/>
+      <p:pic>
+        <p:nvPicPr>
+          <p:cNvPr id="5" name="Picture Placeholder 4" descr="jake.jpeg"/>
+          <p:cNvPicPr>
+            <a:picLocks noGrp="1" noChangeAspect="1"/>
+          </p:cNvPicPr>
+          <p:nvPr>
+            <p:ph type="pic" sz="quarter" idx="13"/>
+          </p:nvPr>
+        </p:nvPicPr>
+        <p:blipFill>
+          <a:blip r:embed="rId2">
+            <a:extLst>
+              <a:ext uri="{28A0092B-C50C-407E-A947-70E740481C1C}">
+                <a14:useLocalDpi xmlns:a14="http://schemas.microsoft.com/office/drawing/2010/main" val="0"/>
+              </a:ext>
+            </a:extLst>
+          </a:blip>
+          <a:srcRect l="-20940" r="-20940"/>
+          <a:stretch>
+            <a:fillRect/>
+          </a:stretch>
+        </p:blipFill>
+        <p:spPr>
+          <a:xfrm>
+            <a:off x="293688" y="222250"/>
+            <a:ext cx="2944812" cy="2627313"/>
+          </a:xfrm>
+        </p:spPr>
+      </p:pic>
+      <p:sp>
+        <p:nvSpPr>
+          <p:cNvPr id="3" name="Title 2"/>
           <p:cNvSpPr>
             <a:spLocks noGrp="1"/>
           </p:cNvSpPr>
@@ -9921,154 +10955,283 @@
             <p:ph type="title"/>
           </p:nvPr>
         </p:nvSpPr>
-        <p:spPr/>
+        <p:spPr>
+          <a:xfrm>
+            <a:off x="5497529" y="222012"/>
+            <a:ext cx="3529203" cy="662519"/>
+          </a:xfrm>
+        </p:spPr>
         <p:txBody>
           <a:bodyPr/>
           <a:lstStyle/>
           <a:p>
             <a:r>
-              <a:rPr lang="en-US" dirty="0" smtClean="0"/>
+              <a:rPr lang="en-US" sz="2800" dirty="0" smtClean="0"/>
               <a:t>Make an Argument</a:t>
             </a:r>
+            <a:endParaRPr lang="en-US" sz="2800" dirty="0"/>
+          </a:p>
+        </p:txBody>
+      </p:sp>
+      <p:sp>
+        <p:nvSpPr>
+          <p:cNvPr id="4" name="Text Placeholder 3"/>
+          <p:cNvSpPr>
+            <a:spLocks noGrp="1"/>
+          </p:cNvSpPr>
+          <p:nvPr>
+            <p:ph type="body" sz="half" idx="2"/>
+          </p:nvPr>
+        </p:nvSpPr>
+        <p:spPr/>
+        <p:txBody>
+          <a:bodyPr/>
+          <a:lstStyle/>
+          <a:p>
             <a:endParaRPr lang="en-US" dirty="0"/>
           </a:p>
         </p:txBody>
       </p:sp>
-      <p:sp>
-        <p:nvSpPr>
-          <p:cNvPr id="3" name="Text Placeholder 2"/>
-          <p:cNvSpPr>
-            <a:spLocks noGrp="1"/>
-          </p:cNvSpPr>
-          <p:nvPr>
-            <p:ph type="body" idx="1"/>
-          </p:nvPr>
-        </p:nvSpPr>
-        <p:spPr/>
-        <p:txBody>
-          <a:bodyPr>
-            <a:normAutofit fontScale="70000" lnSpcReduction="20000"/>
+      <p:pic>
+        <p:nvPicPr>
+          <p:cNvPr id="6" name="Picture 5" descr="joseph.jpg"/>
+          <p:cNvPicPr>
+            <a:picLocks noChangeAspect="1"/>
+          </p:cNvPicPr>
+          <p:nvPr/>
+        </p:nvPicPr>
+        <p:blipFill>
+          <a:blip r:embed="rId3">
+            <a:extLst>
+              <a:ext uri="{28A0092B-C50C-407E-A947-70E740481C1C}">
+                <a14:useLocalDpi xmlns:a14="http://schemas.microsoft.com/office/drawing/2010/main" val="0"/>
+              </a:ext>
+            </a:extLst>
+          </a:blip>
+          <a:stretch>
+            <a:fillRect/>
+          </a:stretch>
+        </p:blipFill>
+        <p:spPr>
+          <a:xfrm>
+            <a:off x="461860" y="3998405"/>
+            <a:ext cx="1654674" cy="2482011"/>
+          </a:xfrm>
+          <a:prstGeom prst="rect">
+            <a:avLst/>
+          </a:prstGeom>
+        </p:spPr>
+      </p:pic>
+      <p:pic>
+        <p:nvPicPr>
+          <p:cNvPr id="7" name="Picture 6"/>
+          <p:cNvPicPr>
+            <a:picLocks noChangeAspect="1"/>
+          </p:cNvPicPr>
+          <p:nvPr/>
+        </p:nvPicPr>
+        <p:blipFill>
+          <a:blip r:embed="rId4"/>
+          <a:stretch>
+            <a:fillRect/>
+          </a:stretch>
+        </p:blipFill>
+        <p:spPr>
+          <a:xfrm>
+            <a:off x="3129791" y="5400586"/>
+            <a:ext cx="5896941" cy="1216829"/>
+          </a:xfrm>
+          <a:prstGeom prst="rect">
+            <a:avLst/>
+          </a:prstGeom>
+        </p:spPr>
+      </p:pic>
+      <p:sp>
+        <p:nvSpPr>
+          <p:cNvPr id="8" name="Frame 7"/>
+          <p:cNvSpPr/>
+          <p:nvPr/>
+        </p:nvSpPr>
+        <p:spPr>
+          <a:xfrm>
+            <a:off x="3129791" y="6212962"/>
+            <a:ext cx="943107" cy="267454"/>
+          </a:xfrm>
+          <a:prstGeom prst="frame">
+            <a:avLst/>
+          </a:prstGeom>
+        </p:spPr>
+        <p:style>
+          <a:lnRef idx="1">
+            <a:schemeClr val="accent1"/>
+          </a:lnRef>
+          <a:fillRef idx="3">
+            <a:schemeClr val="accent1"/>
+          </a:fillRef>
+          <a:effectRef idx="2">
+            <a:schemeClr val="accent1"/>
+          </a:effectRef>
+          <a:fontRef idx="minor">
+            <a:schemeClr val="lt1"/>
+          </a:fontRef>
+        </p:style>
+        <p:txBody>
+          <a:bodyPr rtlCol="0" anchor="ctr"/>
+          <a:lstStyle/>
+          <a:p>
+            <a:pPr algn="ctr"/>
+            <a:endParaRPr lang="en-US">
+              <a:solidFill>
+                <a:schemeClr val="tx1"/>
+              </a:solidFill>
+            </a:endParaRPr>
+          </a:p>
+        </p:txBody>
+      </p:sp>
+      <p:sp>
+        <p:nvSpPr>
+          <p:cNvPr id="9" name="Frame 8"/>
+          <p:cNvSpPr/>
+          <p:nvPr/>
+        </p:nvSpPr>
+        <p:spPr>
+          <a:xfrm>
+            <a:off x="4072898" y="6212962"/>
+            <a:ext cx="858055" cy="267454"/>
+          </a:xfrm>
+          <a:prstGeom prst="frame">
+            <a:avLst/>
+          </a:prstGeom>
+        </p:spPr>
+        <p:style>
+          <a:lnRef idx="1">
+            <a:schemeClr val="accent1"/>
+          </a:lnRef>
+          <a:fillRef idx="3">
+            <a:schemeClr val="accent1"/>
+          </a:fillRef>
+          <a:effectRef idx="2">
+            <a:schemeClr val="accent1"/>
+          </a:effectRef>
+          <a:fontRef idx="minor">
+            <a:schemeClr val="lt1"/>
+          </a:fontRef>
+        </p:style>
+        <p:txBody>
+          <a:bodyPr rtlCol="0" anchor="ctr"/>
+          <a:lstStyle/>
+          <a:p>
+            <a:pPr algn="ctr"/>
+            <a:endParaRPr lang="en-US">
+              <a:solidFill>
+                <a:schemeClr val="tx1"/>
+              </a:solidFill>
+            </a:endParaRPr>
+          </a:p>
+        </p:txBody>
+      </p:sp>
+      <p:pic>
+        <p:nvPicPr>
+          <p:cNvPr id="10" name="Picture 9"/>
+          <p:cNvPicPr>
+            <a:picLocks noChangeAspect="1"/>
+          </p:cNvPicPr>
+          <p:nvPr/>
+        </p:nvPicPr>
+        <p:blipFill>
+          <a:blip r:embed="rId5"/>
+          <a:stretch>
+            <a:fillRect/>
+          </a:stretch>
+        </p:blipFill>
+        <p:spPr>
+          <a:xfrm>
+            <a:off x="4848640" y="2658027"/>
+            <a:ext cx="4095779" cy="2680755"/>
+          </a:xfrm>
+          <a:prstGeom prst="rect">
+            <a:avLst/>
+          </a:prstGeom>
+        </p:spPr>
+      </p:pic>
+      <p:sp>
+        <p:nvSpPr>
+          <p:cNvPr id="11" name="TextBox 10"/>
+          <p:cNvSpPr txBox="1"/>
+          <p:nvPr/>
+        </p:nvSpPr>
+        <p:spPr>
+          <a:xfrm>
+            <a:off x="3238500" y="884531"/>
+            <a:ext cx="4933921" cy="1938992"/>
+          </a:xfrm>
+          <a:prstGeom prst="rect">
+            <a:avLst/>
+          </a:prstGeom>
+          <a:noFill/>
+        </p:spPr>
+        <p:txBody>
+          <a:bodyPr wrap="square" rtlCol="0">
+            <a:spAutoFit/>
           </a:bodyPr>
           <a:lstStyle/>
           <a:p>
-            <a:endParaRPr lang="en-US"/>
-          </a:p>
-        </p:txBody>
-      </p:sp>
-      <p:sp>
-        <p:nvSpPr>
-          <p:cNvPr id="4" name="Content Placeholder 3"/>
-          <p:cNvSpPr>
-            <a:spLocks noGrp="1"/>
-          </p:cNvSpPr>
-          <p:nvPr>
-            <p:ph sz="half" idx="2"/>
-          </p:nvPr>
-        </p:nvSpPr>
-        <p:spPr/>
-        <p:txBody>
-          <a:bodyPr/>
-          <a:lstStyle/>
-          <a:p>
-            <a:r>
-              <a:rPr lang="en-US" dirty="0"/>
-              <a:t>Theoretical</a:t>
-            </a:r>
-          </a:p>
-          <a:p>
-            <a:r>
-              <a:rPr lang="en-US" dirty="0"/>
-              <a:t>Simulation</a:t>
-            </a:r>
-          </a:p>
-          <a:p>
-            <a:r>
-              <a:rPr lang="en-US" dirty="0"/>
-              <a:t>Literature</a:t>
-            </a:r>
-          </a:p>
-          <a:p>
-            <a:endParaRPr lang="en-US" dirty="0"/>
-          </a:p>
-        </p:txBody>
-      </p:sp>
-      <p:sp>
-        <p:nvSpPr>
-          <p:cNvPr id="5" name="Text Placeholder 4"/>
-          <p:cNvSpPr>
-            <a:spLocks noGrp="1"/>
-          </p:cNvSpPr>
-          <p:nvPr>
-            <p:ph type="body" sz="quarter" idx="3"/>
-          </p:nvPr>
-        </p:nvSpPr>
-        <p:spPr/>
-        <p:txBody>
-          <a:bodyPr>
-            <a:normAutofit fontScale="70000" lnSpcReduction="20000"/>
-          </a:bodyPr>
-          <a:lstStyle/>
-          <a:p>
-            <a:r>
-              <a:rPr lang="en-US" dirty="0" smtClean="0"/>
-              <a:t>In the Classroom</a:t>
-            </a:r>
-            <a:endParaRPr lang="en-US" dirty="0"/>
-          </a:p>
-        </p:txBody>
-      </p:sp>
-      <p:sp>
-        <p:nvSpPr>
-          <p:cNvPr id="6" name="Content Placeholder 5"/>
-          <p:cNvSpPr>
-            <a:spLocks noGrp="1"/>
-          </p:cNvSpPr>
-          <p:nvPr>
-            <p:ph sz="quarter" idx="4"/>
-          </p:nvPr>
-        </p:nvSpPr>
-        <p:spPr/>
-        <p:txBody>
-          <a:bodyPr/>
-          <a:lstStyle/>
-          <a:p>
-            <a:r>
-              <a:rPr lang="en-US" dirty="0" smtClean="0"/>
-              <a:t>Hypothesis test using mean and median to demonstrate two different approaches to the same scientific hypothesis</a:t>
-            </a:r>
-          </a:p>
-          <a:p>
-            <a:r>
-              <a:rPr lang="en-US" dirty="0" smtClean="0"/>
-              <a:t>Simulation studies (e.g., bootstrap confidence intervals)</a:t>
-            </a:r>
-          </a:p>
-          <a:p>
-            <a:r>
-              <a:rPr lang="en-US" dirty="0" smtClean="0"/>
-              <a:t>How do we know that?  How can we argue that result is better than the other?</a:t>
-            </a:r>
-            <a:endParaRPr lang="en-US" dirty="0"/>
+            <a:pPr marL="285750" indent="-285750">
+              <a:buFontTx/>
+              <a:buChar char="•"/>
+            </a:pPr>
+            <a:r>
+              <a:rPr lang="en-US" sz="2000" dirty="0" smtClean="0"/>
+              <a:t>As compared to what?</a:t>
+            </a:r>
+          </a:p>
+          <a:p>
+            <a:pPr marL="285750" indent="-285750">
+              <a:buFontTx/>
+              <a:buChar char="•"/>
+            </a:pPr>
+            <a:endParaRPr lang="en-US" sz="2000" dirty="0" smtClean="0"/>
+          </a:p>
+          <a:p>
+            <a:pPr marL="285750" indent="-285750">
+              <a:buFontTx/>
+              <a:buChar char="•"/>
+            </a:pPr>
+            <a:r>
+              <a:rPr lang="en-US" sz="2000" dirty="0" smtClean="0"/>
+              <a:t>Permutation test for cutoff</a:t>
+            </a:r>
+          </a:p>
+          <a:p>
+            <a:pPr marL="285750" indent="-285750">
+              <a:buFontTx/>
+              <a:buChar char="•"/>
+            </a:pPr>
+            <a:endParaRPr lang="en-US" sz="2000" dirty="0" smtClean="0"/>
+          </a:p>
+          <a:p>
+            <a:pPr marL="285750" indent="-285750">
+              <a:buFontTx/>
+              <a:buChar char="•"/>
+            </a:pPr>
+            <a:r>
+              <a:rPr lang="en-US" sz="2000" dirty="0" smtClean="0"/>
+              <a:t>Simulation analysis to demonstrate FP&amp; FN rates</a:t>
+            </a:r>
+            <a:endParaRPr lang="en-US" sz="2000" dirty="0"/>
           </a:p>
         </p:txBody>
       </p:sp>
     </p:spTree>
     <p:extLst>
       <p:ext uri="{BB962C8B-B14F-4D97-AF65-F5344CB8AC3E}">
-        <p14:creationId xmlns:p14="http://schemas.microsoft.com/office/powerpoint/2010/main" val="3660048347"/>
+        <p14:creationId xmlns:p14="http://schemas.microsoft.com/office/powerpoint/2010/main" val="1864824280"/>
       </p:ext>
     </p:extLst>
   </p:cSld>
   <p:clrMapOvr>
     <a:masterClrMapping/>
   </p:clrMapOvr>
-  <p:timing>
-    <p:tnLst>
-      <p:par>
-        <p:cTn xmlns:p14="http://schemas.microsoft.com/office/powerpoint/2010/main" id="1" dur="indefinite" restart="never" nodeType="tmRoot"/>
-      </p:par>
-    </p:tnLst>
-  </p:timing>
 </p:sld>
 </file>
 
@@ -10250,9 +11413,39 @@
           <a:chExt cx="0" cy="0"/>
         </a:xfrm>
       </p:grpSpPr>
-      <p:sp>
-        <p:nvSpPr>
-          <p:cNvPr id="2" name="Title 1"/>
+      <p:pic>
+        <p:nvPicPr>
+          <p:cNvPr id="7" name="Picture Placeholder 6" descr="benji.jpeg"/>
+          <p:cNvPicPr>
+            <a:picLocks noGrp="1" noChangeAspect="1"/>
+          </p:cNvPicPr>
+          <p:nvPr>
+            <p:ph type="pic" sz="quarter" idx="13"/>
+          </p:nvPr>
+        </p:nvPicPr>
+        <p:blipFill>
+          <a:blip r:embed="rId2">
+            <a:extLst>
+              <a:ext uri="{28A0092B-C50C-407E-A947-70E740481C1C}">
+                <a14:useLocalDpi xmlns:a14="http://schemas.microsoft.com/office/drawing/2010/main" val="0"/>
+              </a:ext>
+            </a:extLst>
+          </a:blip>
+          <a:srcRect t="3951" b="3951"/>
+          <a:stretch>
+            <a:fillRect/>
+          </a:stretch>
+        </p:blipFill>
+        <p:spPr>
+          <a:xfrm>
+            <a:off x="293688" y="165100"/>
+            <a:ext cx="2852737" cy="2627313"/>
+          </a:xfrm>
+        </p:spPr>
+      </p:pic>
+      <p:sp>
+        <p:nvSpPr>
+          <p:cNvPr id="3" name="Title 2"/>
           <p:cNvSpPr>
             <a:spLocks noGrp="1"/>
           </p:cNvSpPr>
@@ -10260,141 +11453,203 @@
             <p:ph type="title"/>
           </p:nvPr>
         </p:nvSpPr>
-        <p:spPr/>
+        <p:spPr>
+          <a:xfrm>
+            <a:off x="5239852" y="165100"/>
+            <a:ext cx="3663763" cy="491661"/>
+          </a:xfrm>
+        </p:spPr>
         <p:txBody>
           <a:bodyPr/>
           <a:lstStyle/>
           <a:p>
-            <a:r>
-              <a:rPr lang="en-US" dirty="0" smtClean="0"/>
-              <a:t>Work Independently</a:t>
-            </a:r>
+            <a:pPr algn="r"/>
+            <a:r>
+              <a:rPr lang="en-US" sz="2800" dirty="0" smtClean="0"/>
+              <a:t>Engage with Theory</a:t>
+            </a:r>
+            <a:endParaRPr lang="en-US" sz="2800" dirty="0"/>
+          </a:p>
+        </p:txBody>
+      </p:sp>
+      <p:sp>
+        <p:nvSpPr>
+          <p:cNvPr id="4" name="Text Placeholder 3"/>
+          <p:cNvSpPr>
+            <a:spLocks noGrp="1"/>
+          </p:cNvSpPr>
+          <p:nvPr>
+            <p:ph type="body" sz="half" idx="2"/>
+          </p:nvPr>
+        </p:nvSpPr>
+        <p:spPr>
+          <a:xfrm>
+            <a:off x="3241769" y="6956345"/>
+            <a:ext cx="4924425" cy="627797"/>
+          </a:xfrm>
+        </p:spPr>
+        <p:txBody>
+          <a:bodyPr/>
+          <a:lstStyle/>
+          <a:p>
             <a:endParaRPr lang="en-US" dirty="0"/>
           </a:p>
         </p:txBody>
       </p:sp>
       <p:sp>
         <p:nvSpPr>
-          <p:cNvPr id="3" name="Text Placeholder 2"/>
-          <p:cNvSpPr>
-            <a:spLocks noGrp="1"/>
-          </p:cNvSpPr>
-          <p:nvPr>
-            <p:ph type="body" idx="1"/>
-          </p:nvPr>
-        </p:nvSpPr>
-        <p:spPr/>
-        <p:txBody>
-          <a:bodyPr>
-            <a:normAutofit fontScale="70000" lnSpcReduction="20000"/>
+          <p:cNvPr id="8" name="TextBox 7"/>
+          <p:cNvSpPr txBox="1"/>
+          <p:nvPr/>
+        </p:nvSpPr>
+        <p:spPr>
+          <a:xfrm>
+            <a:off x="3603828" y="656761"/>
+            <a:ext cx="5148327" cy="1600438"/>
+          </a:xfrm>
+          <a:prstGeom prst="rect">
+            <a:avLst/>
+          </a:prstGeom>
+          <a:noFill/>
+        </p:spPr>
+        <p:txBody>
+          <a:bodyPr wrap="square" rtlCol="0">
+            <a:spAutoFit/>
           </a:bodyPr>
           <a:lstStyle/>
           <a:p>
-            <a:endParaRPr lang="en-US"/>
-          </a:p>
-        </p:txBody>
-      </p:sp>
-      <p:sp>
-        <p:nvSpPr>
-          <p:cNvPr id="4" name="Content Placeholder 3"/>
-          <p:cNvSpPr>
-            <a:spLocks noGrp="1"/>
-          </p:cNvSpPr>
-          <p:nvPr>
-            <p:ph sz="half" idx="2"/>
-          </p:nvPr>
-        </p:nvSpPr>
-        <p:spPr/>
-        <p:txBody>
-          <a:bodyPr/>
-          <a:lstStyle/>
-          <a:p>
-            <a:r>
-              <a:rPr lang="en-US" dirty="0" smtClean="0"/>
-              <a:t>What did you do?</a:t>
-            </a:r>
-          </a:p>
-          <a:p>
-            <a:r>
-              <a:rPr lang="en-US" dirty="0" smtClean="0"/>
-              <a:t>Why did you do it?</a:t>
-            </a:r>
-          </a:p>
-          <a:p>
-            <a:r>
-              <a:rPr lang="en-US" dirty="0" smtClean="0"/>
-              <a:t>What is the next step?</a:t>
-            </a:r>
-          </a:p>
-          <a:p>
-            <a:r>
-              <a:rPr lang="en-US" dirty="0" smtClean="0"/>
-              <a:t>What do I still not understand?</a:t>
-            </a:r>
+            <a:pPr marL="285750" indent="-285750">
+              <a:buFontTx/>
+              <a:buChar char="•"/>
+            </a:pPr>
+            <a:r>
+              <a:rPr lang="en-US" sz="2000" dirty="0" smtClean="0"/>
+              <a:t>June 2016 – July 2017</a:t>
+            </a:r>
+          </a:p>
+          <a:p>
+            <a:pPr marL="285750" indent="-285750">
+              <a:buFontTx/>
+              <a:buChar char="•"/>
+            </a:pPr>
+            <a:r>
+              <a:rPr lang="en-US" sz="2000" dirty="0" smtClean="0"/>
+              <a:t>Kept coming back to his knowledge of prediction intervals for SLR (MSE)</a:t>
+            </a:r>
+          </a:p>
+          <a:p>
+            <a:pPr marL="285750" indent="-285750">
+              <a:buFontTx/>
+              <a:buChar char="•"/>
+            </a:pPr>
+            <a:r>
+              <a:rPr lang="en-US" sz="2000" dirty="0" smtClean="0"/>
+              <a:t>Organization was impeccable</a:t>
+            </a:r>
+          </a:p>
+          <a:p>
+            <a:pPr marL="285750" indent="-285750">
+              <a:buFontTx/>
+              <a:buChar char="•"/>
+            </a:pPr>
             <a:endParaRPr lang="en-US" dirty="0"/>
           </a:p>
         </p:txBody>
       </p:sp>
-      <p:sp>
-        <p:nvSpPr>
-          <p:cNvPr id="5" name="Text Placeholder 4"/>
-          <p:cNvSpPr>
-            <a:spLocks noGrp="1"/>
-          </p:cNvSpPr>
-          <p:nvPr>
-            <p:ph type="body" sz="quarter" idx="3"/>
-          </p:nvPr>
-        </p:nvSpPr>
-        <p:spPr/>
-        <p:txBody>
-          <a:bodyPr>
-            <a:normAutofit fontScale="70000" lnSpcReduction="20000"/>
-          </a:bodyPr>
-          <a:lstStyle/>
-          <a:p>
-            <a:r>
-              <a:rPr lang="en-US" dirty="0" smtClean="0"/>
-              <a:t>In the Classroom</a:t>
-            </a:r>
-            <a:endParaRPr lang="en-US" dirty="0"/>
-          </a:p>
-        </p:txBody>
-      </p:sp>
-      <p:sp>
-        <p:nvSpPr>
-          <p:cNvPr id="6" name="Content Placeholder 5"/>
-          <p:cNvSpPr>
-            <a:spLocks noGrp="1"/>
-          </p:cNvSpPr>
-          <p:nvPr>
-            <p:ph sz="quarter" idx="4"/>
-          </p:nvPr>
-        </p:nvSpPr>
-        <p:spPr/>
-        <p:txBody>
-          <a:bodyPr/>
-          <a:lstStyle/>
-          <a:p>
-            <a:r>
-              <a:rPr lang="en-US" dirty="0" smtClean="0"/>
-              <a:t>Independent projects (peer assessment!)</a:t>
-            </a:r>
-          </a:p>
-          <a:p>
-            <a:r>
-              <a:rPr lang="en-US" dirty="0" smtClean="0"/>
-              <a:t>Reflect on assignments (quickly or in detail)</a:t>
-            </a:r>
-          </a:p>
-          <a:p>
-            <a:endParaRPr lang="en-US" dirty="0"/>
-          </a:p>
-        </p:txBody>
-      </p:sp>
+      <p:pic>
+        <p:nvPicPr>
+          <p:cNvPr id="9" name="Picture 8" descr="benjithesis.png"/>
+          <p:cNvPicPr>
+            <a:picLocks noChangeAspect="1"/>
+          </p:cNvPicPr>
+          <p:nvPr/>
+        </p:nvPicPr>
+        <p:blipFill>
+          <a:blip r:embed="rId3">
+            <a:extLst>
+              <a:ext uri="{28A0092B-C50C-407E-A947-70E740481C1C}">
+                <a14:useLocalDpi xmlns:a14="http://schemas.microsoft.com/office/drawing/2010/main" val="0"/>
+              </a:ext>
+            </a:extLst>
+          </a:blip>
+          <a:stretch>
+            <a:fillRect/>
+          </a:stretch>
+        </p:blipFill>
+        <p:spPr>
+          <a:xfrm>
+            <a:off x="187094" y="4512196"/>
+            <a:ext cx="4897940" cy="2101231"/>
+          </a:xfrm>
+          <a:prstGeom prst="rect">
+            <a:avLst/>
+          </a:prstGeom>
+        </p:spPr>
+      </p:pic>
+      <p:pic>
+        <p:nvPicPr>
+          <p:cNvPr id="10" name="Picture 9" descr="2017-06-08clusteredMean0_40_80_120_160SD1_2_3_4_5qrfErrorPlot.pdf"/>
+          <p:cNvPicPr>
+            <a:picLocks noChangeAspect="1"/>
+          </p:cNvPicPr>
+          <p:nvPr/>
+        </p:nvPicPr>
+        <p:blipFill>
+          <a:blip r:embed="rId4">
+            <a:extLst>
+              <a:ext uri="{28A0092B-C50C-407E-A947-70E740481C1C}">
+                <a14:useLocalDpi xmlns:a14="http://schemas.microsoft.com/office/drawing/2010/main" val="0"/>
+              </a:ext>
+            </a:extLst>
+          </a:blip>
+          <a:stretch>
+            <a:fillRect/>
+          </a:stretch>
+        </p:blipFill>
+        <p:spPr>
+          <a:xfrm>
+            <a:off x="5854923" y="4210626"/>
+            <a:ext cx="3147136" cy="2431878"/>
+          </a:xfrm>
+          <a:prstGeom prst="rect">
+            <a:avLst/>
+          </a:prstGeom>
+        </p:spPr>
+      </p:pic>
+      <p:pic>
+        <p:nvPicPr>
+          <p:cNvPr id="11" name="Picture 10" descr="2017-06-08clusteredMean0_40_80_120_160SD1_2_3_4_5MSPE2ErrorPlot.pdf"/>
+          <p:cNvPicPr>
+            <a:picLocks noChangeAspect="1"/>
+          </p:cNvPicPr>
+          <p:nvPr/>
+        </p:nvPicPr>
+        <p:blipFill>
+          <a:blip r:embed="rId5">
+            <a:extLst>
+              <a:ext uri="{28A0092B-C50C-407E-A947-70E740481C1C}">
+                <a14:useLocalDpi xmlns:a14="http://schemas.microsoft.com/office/drawing/2010/main" val="0"/>
+              </a:ext>
+            </a:extLst>
+          </a:blip>
+          <a:stretch>
+            <a:fillRect/>
+          </a:stretch>
+        </p:blipFill>
+        <p:spPr>
+          <a:xfrm>
+            <a:off x="3241769" y="2258138"/>
+            <a:ext cx="2917016" cy="2254058"/>
+          </a:xfrm>
+          <a:prstGeom prst="rect">
+            <a:avLst/>
+          </a:prstGeom>
+        </p:spPr>
+      </p:pic>
     </p:spTree>
     <p:extLst>
       <p:ext uri="{BB962C8B-B14F-4D97-AF65-F5344CB8AC3E}">
-        <p14:creationId xmlns:p14="http://schemas.microsoft.com/office/powerpoint/2010/main" val="1875950038"/>
+        <p14:creationId xmlns:p14="http://schemas.microsoft.com/office/powerpoint/2010/main" val="544749163"/>
       </p:ext>
     </p:extLst>
   </p:cSld>
@@ -10438,7 +11693,7 @@
           <a:p>
             <a:r>
               <a:rPr lang="en-US" dirty="0" smtClean="0"/>
-              <a:t>Wrangle Data</a:t>
+              <a:t>Work Independently</a:t>
             </a:r>
             <a:endParaRPr lang="en-US" dirty="0"/>
           </a:p>
@@ -10482,19 +11737,25 @@
           <a:p>
             <a:r>
               <a:rPr lang="en-US" dirty="0" smtClean="0"/>
-              <a:t>Data Science</a:t>
+              <a:t>What did you do?</a:t>
             </a:r>
           </a:p>
           <a:p>
             <a:r>
               <a:rPr lang="en-US" dirty="0" smtClean="0"/>
-              <a:t>Statistics</a:t>
+              <a:t>Why did you do it?</a:t>
             </a:r>
           </a:p>
           <a:p>
             <a:r>
               <a:rPr lang="en-US" dirty="0" smtClean="0"/>
-              <a:t>Theoretical</a:t>
+              <a:t>What is the next step?</a:t>
+            </a:r>
+          </a:p>
+          <a:p>
+            <a:r>
+              <a:rPr lang="en-US" dirty="0" smtClean="0"/>
+              <a:t>What do I still not understand?</a:t>
             </a:r>
             <a:endParaRPr lang="en-US" dirty="0"/>
           </a:p>
@@ -10542,20 +11803,16 @@
           <a:p>
             <a:r>
               <a:rPr lang="en-US" dirty="0" smtClean="0"/>
-              <a:t>Practice, practice, practice</a:t>
+              <a:t>Independent projects (peer assessment!)</a:t>
             </a:r>
           </a:p>
           <a:p>
             <a:r>
               <a:rPr lang="en-US" dirty="0" smtClean="0"/>
-              <a:t>Learn how to problem solve independently.</a:t>
-            </a:r>
-          </a:p>
-          <a:p>
-            <a:r>
-              <a:rPr lang="en-US" dirty="0" smtClean="0"/>
-              <a:t>Data wrangling should happen in every class at every level.</a:t>
-            </a:r>
+              <a:t>Reflect on assignments (quickly or in detail)</a:t>
+            </a:r>
+          </a:p>
+          <a:p>
             <a:endParaRPr lang="en-US" dirty="0"/>
           </a:p>
         </p:txBody>
@@ -10563,7 +11820,7 @@
     </p:spTree>
     <p:extLst>
       <p:ext uri="{BB962C8B-B14F-4D97-AF65-F5344CB8AC3E}">
-        <p14:creationId xmlns:p14="http://schemas.microsoft.com/office/powerpoint/2010/main" val="1164415233"/>
+        <p14:creationId xmlns:p14="http://schemas.microsoft.com/office/powerpoint/2010/main" val="1875950038"/>
       </p:ext>
     </p:extLst>
   </p:cSld>

--- a/03-hardin/skillsForResearch_JSM17_JoHardin.pptx
+++ b/03-hardin/skillsForResearch_JSM17_JoHardin.pptx
@@ -205,7 +205,7 @@
           <a:p>
             <a:fld id="{51F23AE1-7BC9-1746-961C-E0E2DE455D32}" type="datetimeFigureOut">
               <a:rPr lang="en-US" smtClean="0"/>
-              <a:t>7/26/17</a:t>
+              <a:t>8/2/17</a:t>
             </a:fld>
             <a:endParaRPr lang="en-US"/>
           </a:p>
@@ -1393,7 +1393,7 @@
           <a:p>
             <a:fld id="{A2F0292D-1797-49A5-8D2D-8D50C72EF3CC}" type="datetimeFigureOut">
               <a:rPr lang="en-US" smtClean="0"/>
-              <a:t>7/26/17</a:t>
+              <a:t>8/2/17</a:t>
             </a:fld>
             <a:endParaRPr lang="en-US"/>
           </a:p>
@@ -1872,7 +1872,7 @@
           <a:p>
             <a:fld id="{A2F0292D-1797-49A5-8D2D-8D50C72EF3CC}" type="datetimeFigureOut">
               <a:rPr lang="en-US" smtClean="0"/>
-              <a:t>7/26/17</a:t>
+              <a:t>8/2/17</a:t>
             </a:fld>
             <a:endParaRPr lang="en-US"/>
           </a:p>
@@ -2101,7 +2101,7 @@
           <a:p>
             <a:fld id="{A2F0292D-1797-49A5-8D2D-8D50C72EF3CC}" type="datetimeFigureOut">
               <a:rPr lang="en-US" smtClean="0"/>
-              <a:t>7/26/17</a:t>
+              <a:t>8/2/17</a:t>
             </a:fld>
             <a:endParaRPr lang="en-US"/>
           </a:p>
@@ -2331,7 +2331,7 @@
           <a:p>
             <a:fld id="{A2F0292D-1797-49A5-8D2D-8D50C72EF3CC}" type="datetimeFigureOut">
               <a:rPr lang="en-US" smtClean="0"/>
-              <a:t>7/26/17</a:t>
+              <a:t>8/2/17</a:t>
             </a:fld>
             <a:endParaRPr lang="en-US"/>
           </a:p>
@@ -2663,7 +2663,7 @@
           <a:p>
             <a:fld id="{A2F0292D-1797-49A5-8D2D-8D50C72EF3CC}" type="datetimeFigureOut">
               <a:rPr lang="en-US" smtClean="0"/>
-              <a:t>7/26/17</a:t>
+              <a:t>8/2/17</a:t>
             </a:fld>
             <a:endParaRPr lang="en-US"/>
           </a:p>
@@ -3021,7 +3021,7 @@
           <a:p>
             <a:fld id="{A2F0292D-1797-49A5-8D2D-8D50C72EF3CC}" type="datetimeFigureOut">
               <a:rPr lang="en-US" smtClean="0"/>
-              <a:t>7/26/17</a:t>
+              <a:t>8/2/17</a:t>
             </a:fld>
             <a:endParaRPr lang="en-US"/>
           </a:p>
@@ -3497,7 +3497,7 @@
           <a:p>
             <a:fld id="{A2F0292D-1797-49A5-8D2D-8D50C72EF3CC}" type="datetimeFigureOut">
               <a:rPr lang="en-US" smtClean="0"/>
-              <a:t>7/26/17</a:t>
+              <a:t>8/2/17</a:t>
             </a:fld>
             <a:endParaRPr lang="en-US"/>
           </a:p>
@@ -4178,7 +4178,7 @@
           <a:p>
             <a:fld id="{A2F0292D-1797-49A5-8D2D-8D50C72EF3CC}" type="datetimeFigureOut">
               <a:rPr lang="en-US" smtClean="0"/>
-              <a:t>7/26/17</a:t>
+              <a:t>8/2/17</a:t>
             </a:fld>
             <a:endParaRPr lang="en-US"/>
           </a:p>
@@ -4357,7 +4357,7 @@
           <a:p>
             <a:fld id="{A2F0292D-1797-49A5-8D2D-8D50C72EF3CC}" type="datetimeFigureOut">
               <a:rPr lang="en-US" smtClean="0"/>
-              <a:t>7/26/17</a:t>
+              <a:t>8/2/17</a:t>
             </a:fld>
             <a:endParaRPr lang="en-US"/>
           </a:p>
@@ -4528,7 +4528,7 @@
           <a:p>
             <a:fld id="{A2F0292D-1797-49A5-8D2D-8D50C72EF3CC}" type="datetimeFigureOut">
               <a:rPr lang="en-US" smtClean="0"/>
-              <a:t>7/26/17</a:t>
+              <a:t>8/2/17</a:t>
             </a:fld>
             <a:endParaRPr lang="en-US"/>
           </a:p>
@@ -4618,7 +4618,7 @@
           <a:p>
             <a:fld id="{A2F0292D-1797-49A5-8D2D-8D50C72EF3CC}" type="datetimeFigureOut">
               <a:rPr lang="en-US" smtClean="0"/>
-              <a:t>7/26/17</a:t>
+              <a:t>8/2/17</a:t>
             </a:fld>
             <a:endParaRPr lang="en-US"/>
           </a:p>
@@ -5640,7 +5640,7 @@
           <a:p>
             <a:fld id="{A2F0292D-1797-49A5-8D2D-8D50C72EF3CC}" type="datetimeFigureOut">
               <a:rPr lang="en-US" smtClean="0"/>
-              <a:t>7/26/17</a:t>
+              <a:t>8/2/17</a:t>
             </a:fld>
             <a:endParaRPr lang="en-US"/>
           </a:p>
@@ -6215,7 +6215,7 @@
           <a:p>
             <a:fld id="{A2F0292D-1797-49A5-8D2D-8D50C72EF3CC}" type="datetimeFigureOut">
               <a:rPr lang="en-US" smtClean="0"/>
-              <a:t>7/26/17</a:t>
+              <a:t>8/2/17</a:t>
             </a:fld>
             <a:endParaRPr lang="en-US"/>
           </a:p>
@@ -6723,7 +6723,7 @@
           <a:p>
             <a:fld id="{A2F0292D-1797-49A5-8D2D-8D50C72EF3CC}" type="datetimeFigureOut">
               <a:rPr lang="en-US" smtClean="0"/>
-              <a:t>7/26/17</a:t>
+              <a:t>8/2/17</a:t>
             </a:fld>
             <a:endParaRPr lang="en-US"/>
           </a:p>
@@ -7143,7 +7143,7 @@
           <a:p>
             <a:fld id="{A2F0292D-1797-49A5-8D2D-8D50C72EF3CC}" type="datetimeFigureOut">
               <a:rPr lang="en-US" smtClean="0"/>
-              <a:t>7/26/17</a:t>
+              <a:t>8/2/17</a:t>
             </a:fld>
             <a:endParaRPr lang="en-US"/>
           </a:p>
@@ -7507,7 +7507,7 @@
           <a:p>
             <a:fld id="{A2F0292D-1797-49A5-8D2D-8D50C72EF3CC}" type="datetimeFigureOut">
               <a:rPr lang="en-US" smtClean="0"/>
-              <a:t>7/26/17</a:t>
+              <a:t>8/2/17</a:t>
             </a:fld>
             <a:endParaRPr lang="en-US"/>
           </a:p>
@@ -8053,7 +8053,7 @@
           <a:p>
             <a:fld id="{A2F0292D-1797-49A5-8D2D-8D50C72EF3CC}" type="datetimeFigureOut">
               <a:rPr lang="en-US" smtClean="0"/>
-              <a:t>7/26/17</a:t>
+              <a:t>8/2/17</a:t>
             </a:fld>
             <a:endParaRPr lang="en-US"/>
           </a:p>
@@ -8166,7 +8166,7 @@
           <a:p>
             <a:fld id="{A2F0292D-1797-49A5-8D2D-8D50C72EF3CC}" type="datetimeFigureOut">
               <a:rPr lang="en-US" smtClean="0"/>
-              <a:t>7/26/17</a:t>
+              <a:t>8/2/17</a:t>
             </a:fld>
             <a:endParaRPr lang="en-US"/>
           </a:p>
@@ -9465,13 +9465,22 @@
           <a:p>
             <a:r>
               <a:rPr lang="en-US" dirty="0" smtClean="0"/>
-              <a:t>Learn how to problem solve independently.</a:t>
-            </a:r>
-          </a:p>
-          <a:p>
+              <a:t>Learn how to problem solve </a:t>
+            </a:r>
             <a:r>
               <a:rPr lang="en-US" dirty="0" smtClean="0"/>
-              <a:t>Data wrangling should happen in every class at every level.</a:t>
+              <a:t>independently</a:t>
+            </a:r>
+            <a:endParaRPr lang="en-US" dirty="0" smtClean="0"/>
+          </a:p>
+          <a:p>
+            <a:r>
+              <a:rPr lang="en-US" dirty="0" smtClean="0"/>
+              <a:t>Data wrangling should happen in every class at every </a:t>
+            </a:r>
+            <a:r>
+              <a:rPr lang="en-US" dirty="0" smtClean="0"/>
+              <a:t>level</a:t>
             </a:r>
             <a:endParaRPr lang="en-US" dirty="0"/>
           </a:p>
@@ -9903,19 +9912,7 @@
           <a:p>
             <a:r>
               <a:rPr lang="en-US" sz="2000" dirty="0" smtClean="0"/>
-              <a:t>Become </a:t>
-            </a:r>
-            <a:r>
-              <a:rPr lang="en-US" sz="2000" dirty="0" smtClean="0"/>
-              <a:t>a part of the larger community (e.g., </a:t>
-            </a:r>
-            <a:r>
-              <a:rPr lang="en-US" sz="2000" dirty="0" smtClean="0"/>
-              <a:t>quo() </a:t>
-            </a:r>
-            <a:r>
-              <a:rPr lang="en-US" sz="2000" dirty="0" smtClean="0"/>
-              <a:t>function in </a:t>
+              <a:t>Become a part of the larger community (e.g., quo() function in </a:t>
             </a:r>
             <a:r>
               <a:rPr lang="en-US" sz="2000" dirty="0" err="1" smtClean="0"/>
@@ -10323,18 +10320,12 @@
               <a:rPr lang="en-US" dirty="0" smtClean="0"/>
               <a:t>Statistics curriculum guidelines</a:t>
             </a:r>
-            <a:endParaRPr lang="en-US" dirty="0" smtClean="0"/>
           </a:p>
           <a:p>
             <a:r>
               <a:rPr lang="en-US" dirty="0" smtClean="0"/>
-              <a:t>Data </a:t>
-            </a:r>
-            <a:r>
-              <a:rPr lang="en-US" dirty="0" smtClean="0"/>
-              <a:t>science curriculum guidelines</a:t>
-            </a:r>
-            <a:endParaRPr lang="en-US" dirty="0" smtClean="0"/>
+              <a:t>Data science curriculum guidelines</a:t>
+            </a:r>
           </a:p>
           <a:p>
             <a:r>
@@ -10415,11 +10406,7 @@
           <a:p>
             <a:r>
               <a:rPr lang="en-US" dirty="0" smtClean="0"/>
-              <a:t>Needed s</a:t>
-            </a:r>
-            <a:r>
-              <a:rPr lang="en-US" dirty="0" smtClean="0"/>
-              <a:t>kills for successful undergrad research</a:t>
+              <a:t>Needed skills for successful undergrad research</a:t>
             </a:r>
             <a:endParaRPr lang="en-US" dirty="0"/>
           </a:p>
@@ -11523,8 +11510,8 @@
               <a:buChar char="•"/>
             </a:pPr>
             <a:r>
-              <a:rPr lang="en-US" sz="2000" dirty="0" smtClean="0"/>
-              <a:t>June 2016 – July 2017</a:t>
+              <a:rPr lang="en-US" sz="2000" dirty="0"/>
+              <a:t>Kept coming back to his knowledge of prediction intervals for SLR (MSE)</a:t>
             </a:r>
           </a:p>
           <a:p>
@@ -11534,7 +11521,11 @@
             </a:pPr>
             <a:r>
               <a:rPr lang="en-US" sz="2000" dirty="0" smtClean="0"/>
-              <a:t>Kept coming back to his knowledge of prediction intervals for SLR (MSE)</a:t>
+              <a:t>June </a:t>
+            </a:r>
+            <a:r>
+              <a:rPr lang="en-US" sz="2000" dirty="0" smtClean="0"/>
+              <a:t>2016 – July 2017</a:t>
             </a:r>
           </a:p>
           <a:p>
@@ -11544,7 +11535,11 @@
             </a:pPr>
             <a:r>
               <a:rPr lang="en-US" sz="2000" dirty="0" smtClean="0"/>
-              <a:t>Organization was impeccable</a:t>
+              <a:t>Organization </a:t>
+            </a:r>
+            <a:r>
+              <a:rPr lang="en-US" sz="2000" dirty="0" smtClean="0"/>
+              <a:t>was impeccable</a:t>
             </a:r>
           </a:p>
           <a:p>
@@ -11755,7 +11750,15 @@
           <a:p>
             <a:r>
               <a:rPr lang="en-US" dirty="0" smtClean="0"/>
-              <a:t>What do I still not understand?</a:t>
+              <a:t>What do </a:t>
+            </a:r>
+            <a:r>
+              <a:rPr lang="en-US" dirty="0" smtClean="0"/>
+              <a:t>you </a:t>
+            </a:r>
+            <a:r>
+              <a:rPr lang="en-US" dirty="0" smtClean="0"/>
+              <a:t>still not understand?</a:t>
             </a:r>
             <a:endParaRPr lang="en-US" dirty="0"/>
           </a:p>

--- a/03-hardin/skillsForResearch_JSM17_JoHardin.pptx
+++ b/03-hardin/skillsForResearch_JSM17_JoHardin.pptx
@@ -9234,7 +9234,11 @@
           <a:p>
             <a:r>
               <a:rPr lang="en-US" sz="2800" dirty="0" smtClean="0"/>
-              <a:t>Working Independently</a:t>
+              <a:t>Work </a:t>
+            </a:r>
+            <a:r>
+              <a:rPr lang="en-US" sz="2800" dirty="0" smtClean="0"/>
+              <a:t>Independently</a:t>
             </a:r>
             <a:endParaRPr lang="en-US" sz="2800" dirty="0"/>
           </a:p>
@@ -9465,22 +9469,13 @@
           <a:p>
             <a:r>
               <a:rPr lang="en-US" dirty="0" smtClean="0"/>
-              <a:t>Learn how to problem solve </a:t>
-            </a:r>
+              <a:t>Learn how to problem solve independently</a:t>
+            </a:r>
+          </a:p>
+          <a:p>
             <a:r>
               <a:rPr lang="en-US" dirty="0" smtClean="0"/>
-              <a:t>independently</a:t>
-            </a:r>
-            <a:endParaRPr lang="en-US" dirty="0" smtClean="0"/>
-          </a:p>
-          <a:p>
-            <a:r>
-              <a:rPr lang="en-US" dirty="0" smtClean="0"/>
-              <a:t>Data wrangling should happen in every class at every </a:t>
-            </a:r>
-            <a:r>
-              <a:rPr lang="en-US" dirty="0" smtClean="0"/>
-              <a:t>level</a:t>
+              <a:t>Data wrangling should happen in every class at every level</a:t>
             </a:r>
             <a:endParaRPr lang="en-US" dirty="0"/>
           </a:p>
@@ -9538,7 +9533,7 @@
           <a:p>
             <a:r>
               <a:rPr lang="en-US" sz="2800" dirty="0" smtClean="0"/>
-              <a:t>Data Wrangling</a:t>
+              <a:t>Wrangle Data</a:t>
             </a:r>
             <a:endParaRPr lang="en-US" sz="2800" dirty="0"/>
           </a:p>
@@ -9698,8 +9693,8 @@
         </p:blipFill>
         <p:spPr>
           <a:xfrm>
-            <a:off x="5484900" y="656928"/>
-            <a:ext cx="3214789" cy="2453912"/>
+            <a:off x="5164234" y="656928"/>
+            <a:ext cx="3023693" cy="2308045"/>
           </a:xfrm>
           <a:prstGeom prst="rect">
             <a:avLst/>
@@ -9779,17 +9774,6 @@
             <a:endParaRPr lang="en-US" sz="2000" dirty="0" smtClean="0"/>
           </a:p>
           <a:p>
-            <a:pPr marL="171450" indent="-171450">
-              <a:buFontTx/>
-              <a:buChar char="•"/>
-            </a:pPr>
-            <a:endParaRPr lang="en-US" sz="2000" dirty="0"/>
-          </a:p>
-          <a:p>
-            <a:pPr marL="171450" indent="-171450">
-              <a:buFontTx/>
-              <a:buChar char="•"/>
-            </a:pPr>
             <a:endParaRPr lang="en-US" sz="2000" dirty="0" smtClean="0"/>
           </a:p>
           <a:p>
@@ -10562,8 +10546,13 @@
             </a:pPr>
             <a:r>
               <a:rPr lang="en-US" sz="2000" dirty="0" smtClean="0"/>
-              <a:t>12 peer-reviewed pubs w/undergrads, 1 submitted</a:t>
-            </a:r>
+              <a:t>12 peer-reviewed pubs w/</a:t>
+            </a:r>
+            <a:r>
+              <a:rPr lang="en-US" sz="2000" dirty="0" smtClean="0"/>
+              <a:t>undergrads</a:t>
+            </a:r>
+            <a:endParaRPr lang="en-US" sz="2000" dirty="0" smtClean="0"/>
           </a:p>
           <a:p>
             <a:pPr marL="171450" indent="-171450">
@@ -11521,11 +11510,7 @@
             </a:pPr>
             <a:r>
               <a:rPr lang="en-US" sz="2000" dirty="0" smtClean="0"/>
-              <a:t>June </a:t>
-            </a:r>
-            <a:r>
-              <a:rPr lang="en-US" sz="2000" dirty="0" smtClean="0"/>
-              <a:t>2016 – July 2017</a:t>
+              <a:t>June 2016 – July 2017</a:t>
             </a:r>
           </a:p>
           <a:p>
@@ -11535,11 +11520,7 @@
             </a:pPr>
             <a:r>
               <a:rPr lang="en-US" sz="2000" dirty="0" smtClean="0"/>
-              <a:t>Organization </a:t>
-            </a:r>
-            <a:r>
-              <a:rPr lang="en-US" sz="2000" dirty="0" smtClean="0"/>
-              <a:t>was impeccable</a:t>
+              <a:t>Organization was impeccable</a:t>
             </a:r>
           </a:p>
           <a:p>
@@ -11750,15 +11731,7 @@
           <a:p>
             <a:r>
               <a:rPr lang="en-US" dirty="0" smtClean="0"/>
-              <a:t>What do </a:t>
-            </a:r>
-            <a:r>
-              <a:rPr lang="en-US" dirty="0" smtClean="0"/>
-              <a:t>you </a:t>
-            </a:r>
-            <a:r>
-              <a:rPr lang="en-US" dirty="0" smtClean="0"/>
-              <a:t>still not understand?</a:t>
+              <a:t>What do you still not understand?</a:t>
             </a:r>
             <a:endParaRPr lang="en-US" dirty="0"/>
           </a:p>
